--- a/Figures/workflow/workflow.pptx
+++ b/Figures/workflow/workflow.pptx
@@ -259,7 +259,7 @@
           <a:p>
             <a:fld id="{8BCF4D5A-B8DA-0B42-B122-40B606B4BD95}" type="datetimeFigureOut">
               <a:rPr lang="en-US" smtClean="0"/>
-              <a:t>5/9/19</a:t>
+              <a:t>9/13/19</a:t>
             </a:fld>
             <a:endParaRPr lang="en-US"/>
           </a:p>
@@ -457,7 +457,7 @@
           <a:p>
             <a:fld id="{8BCF4D5A-B8DA-0B42-B122-40B606B4BD95}" type="datetimeFigureOut">
               <a:rPr lang="en-US" smtClean="0"/>
-              <a:t>5/9/19</a:t>
+              <a:t>9/13/19</a:t>
             </a:fld>
             <a:endParaRPr lang="en-US"/>
           </a:p>
@@ -665,7 +665,7 @@
           <a:p>
             <a:fld id="{8BCF4D5A-B8DA-0B42-B122-40B606B4BD95}" type="datetimeFigureOut">
               <a:rPr lang="en-US" smtClean="0"/>
-              <a:t>5/9/19</a:t>
+              <a:t>9/13/19</a:t>
             </a:fld>
             <a:endParaRPr lang="en-US"/>
           </a:p>
@@ -863,7 +863,7 @@
           <a:p>
             <a:fld id="{8BCF4D5A-B8DA-0B42-B122-40B606B4BD95}" type="datetimeFigureOut">
               <a:rPr lang="en-US" smtClean="0"/>
-              <a:t>5/9/19</a:t>
+              <a:t>9/13/19</a:t>
             </a:fld>
             <a:endParaRPr lang="en-US"/>
           </a:p>
@@ -1138,7 +1138,7 @@
           <a:p>
             <a:fld id="{8BCF4D5A-B8DA-0B42-B122-40B606B4BD95}" type="datetimeFigureOut">
               <a:rPr lang="en-US" smtClean="0"/>
-              <a:t>5/9/19</a:t>
+              <a:t>9/13/19</a:t>
             </a:fld>
             <a:endParaRPr lang="en-US"/>
           </a:p>
@@ -1403,7 +1403,7 @@
           <a:p>
             <a:fld id="{8BCF4D5A-B8DA-0B42-B122-40B606B4BD95}" type="datetimeFigureOut">
               <a:rPr lang="en-US" smtClean="0"/>
-              <a:t>5/9/19</a:t>
+              <a:t>9/13/19</a:t>
             </a:fld>
             <a:endParaRPr lang="en-US"/>
           </a:p>
@@ -1815,7 +1815,7 @@
           <a:p>
             <a:fld id="{8BCF4D5A-B8DA-0B42-B122-40B606B4BD95}" type="datetimeFigureOut">
               <a:rPr lang="en-US" smtClean="0"/>
-              <a:t>5/9/19</a:t>
+              <a:t>9/13/19</a:t>
             </a:fld>
             <a:endParaRPr lang="en-US"/>
           </a:p>
@@ -1956,7 +1956,7 @@
           <a:p>
             <a:fld id="{8BCF4D5A-B8DA-0B42-B122-40B606B4BD95}" type="datetimeFigureOut">
               <a:rPr lang="en-US" smtClean="0"/>
-              <a:t>5/9/19</a:t>
+              <a:t>9/13/19</a:t>
             </a:fld>
             <a:endParaRPr lang="en-US"/>
           </a:p>
@@ -2069,7 +2069,7 @@
           <a:p>
             <a:fld id="{8BCF4D5A-B8DA-0B42-B122-40B606B4BD95}" type="datetimeFigureOut">
               <a:rPr lang="en-US" smtClean="0"/>
-              <a:t>5/9/19</a:t>
+              <a:t>9/13/19</a:t>
             </a:fld>
             <a:endParaRPr lang="en-US"/>
           </a:p>
@@ -2380,7 +2380,7 @@
           <a:p>
             <a:fld id="{8BCF4D5A-B8DA-0B42-B122-40B606B4BD95}" type="datetimeFigureOut">
               <a:rPr lang="en-US" smtClean="0"/>
-              <a:t>5/9/19</a:t>
+              <a:t>9/13/19</a:t>
             </a:fld>
             <a:endParaRPr lang="en-US"/>
           </a:p>
@@ -2668,7 +2668,7 @@
           <a:p>
             <a:fld id="{8BCF4D5A-B8DA-0B42-B122-40B606B4BD95}" type="datetimeFigureOut">
               <a:rPr lang="en-US" smtClean="0"/>
-              <a:t>5/9/19</a:t>
+              <a:t>9/13/19</a:t>
             </a:fld>
             <a:endParaRPr lang="en-US"/>
           </a:p>
@@ -2909,7 +2909,7 @@
           <a:p>
             <a:fld id="{8BCF4D5A-B8DA-0B42-B122-40B606B4BD95}" type="datetimeFigureOut">
               <a:rPr lang="en-US" smtClean="0"/>
-              <a:t>5/9/19</a:t>
+              <a:t>9/13/19</a:t>
             </a:fld>
             <a:endParaRPr lang="en-US"/>
           </a:p>
@@ -3340,64 +3340,12 @@
         </p:nvGrpSpPr>
         <p:grpSpPr>
           <a:xfrm>
-            <a:off x="869211" y="843134"/>
-            <a:ext cx="10120842" cy="3315440"/>
-            <a:chOff x="869211" y="843134"/>
-            <a:chExt cx="10120842" cy="3315440"/>
+            <a:off x="3027515" y="906544"/>
+            <a:ext cx="7804042" cy="3166686"/>
+            <a:chOff x="3100667" y="991888"/>
+            <a:chExt cx="7804042" cy="3166686"/>
           </a:xfrm>
         </p:grpSpPr>
-        <p:sp>
-          <p:nvSpPr>
-            <p:cNvPr id="4" name="Rectangle 3">
-              <a:extLst>
-                <a:ext uri="{FF2B5EF4-FFF2-40B4-BE49-F238E27FC236}">
-                  <a16:creationId xmlns:a16="http://schemas.microsoft.com/office/drawing/2014/main" id="{17A63F93-B1C7-7844-AA7D-A00A3A83BEEB}"/>
-                </a:ext>
-              </a:extLst>
-            </p:cNvPr>
-            <p:cNvSpPr/>
-            <p:nvPr/>
-          </p:nvSpPr>
-          <p:spPr>
-            <a:xfrm>
-              <a:off x="869211" y="2448731"/>
-              <a:ext cx="1363851" cy="728421"/>
-            </a:xfrm>
-            <a:prstGeom prst="rect">
-              <a:avLst/>
-            </a:prstGeom>
-            <a:ln w="28575">
-              <a:solidFill>
-                <a:schemeClr val="tx1"/>
-              </a:solidFill>
-            </a:ln>
-          </p:spPr>
-          <p:style>
-            <a:lnRef idx="2">
-              <a:schemeClr val="dk1"/>
-            </a:lnRef>
-            <a:fillRef idx="1">
-              <a:schemeClr val="lt1"/>
-            </a:fillRef>
-            <a:effectRef idx="0">
-              <a:schemeClr val="dk1"/>
-            </a:effectRef>
-            <a:fontRef idx="minor">
-              <a:schemeClr val="dk1"/>
-            </a:fontRef>
-          </p:style>
-          <p:txBody>
-            <a:bodyPr rtlCol="0" anchor="ctr"/>
-            <a:lstStyle/>
-            <a:p>
-              <a:pPr algn="ctr"/>
-              <a:r>
-                <a:rPr lang="en-US" dirty="0"/>
-                <a:t>1-LoadData</a:t>
-              </a:r>
-            </a:p>
-          </p:txBody>
-        </p:sp>
         <p:sp>
           <p:nvSpPr>
             <p:cNvPr id="5" name="Rectangle 4">
@@ -3444,8 +3392,16 @@
             <a:p>
               <a:pPr algn="ctr"/>
               <a:r>
+                <a:rPr lang="en-US" dirty="0" err="1"/>
+                <a:t>LoadData</a:t>
+              </a:r>
+              <a:endParaRPr lang="en-US" dirty="0"/>
+            </a:p>
+            <a:p>
+              <a:pPr algn="ctr"/>
+              <a:r>
                 <a:rPr lang="en-US" dirty="0"/>
-                <a:t>2-filtering</a:t>
+                <a:t>filtering</a:t>
               </a:r>
             </a:p>
           </p:txBody>
@@ -3496,9 +3452,10 @@
             <a:p>
               <a:pPr algn="ctr"/>
               <a:r>
-                <a:rPr lang="en-US" dirty="0"/>
-                <a:t>3-zinb</a:t>
+                <a:rPr lang="en-US" dirty="0" err="1"/>
+                <a:t>zinb</a:t>
               </a:r>
+              <a:endParaRPr lang="en-US" dirty="0"/>
             </a:p>
           </p:txBody>
         </p:sp>
@@ -3549,7 +3506,7 @@
               <a:pPr algn="ctr"/>
               <a:r>
                 <a:rPr lang="en-US" dirty="0"/>
-                <a:t>4-sc3</a:t>
+                <a:t>SC3</a:t>
               </a:r>
             </a:p>
           </p:txBody>
@@ -3601,7 +3558,7 @@
               <a:pPr algn="ctr"/>
               <a:r>
                 <a:rPr lang="en-US" dirty="0"/>
-                <a:t>5-seurat</a:t>
+                <a:t>Seurat</a:t>
               </a:r>
             </a:p>
           </p:txBody>
@@ -3620,7 +3577,7 @@
           </p:nvSpPr>
           <p:spPr>
             <a:xfrm>
-              <a:off x="9513141" y="2448730"/>
+              <a:off x="9427797" y="2939442"/>
               <a:ext cx="1476912" cy="728421"/>
             </a:xfrm>
             <a:prstGeom prst="rect">
@@ -3653,7 +3610,7 @@
               <a:pPr algn="ctr"/>
               <a:r>
                 <a:rPr lang="en-US" dirty="0"/>
-                <a:t>8-ConsCluster</a:t>
+                <a:t>Dune</a:t>
               </a:r>
             </a:p>
           </p:txBody>
@@ -3672,7 +3629,7 @@
           </p:nvSpPr>
           <p:spPr>
             <a:xfrm>
-              <a:off x="7114255" y="843134"/>
+              <a:off x="7114251" y="991888"/>
               <a:ext cx="1363851" cy="728421"/>
             </a:xfrm>
             <a:prstGeom prst="rect">
@@ -3705,53 +3662,11 @@
               <a:pPr algn="ctr"/>
               <a:r>
                 <a:rPr lang="en-US" dirty="0"/>
-                <a:t>6-Monocle</a:t>
+                <a:t>Monocle</a:t>
               </a:r>
             </a:p>
           </p:txBody>
         </p:sp>
-        <p:cxnSp>
-          <p:nvCxnSpPr>
-            <p:cNvPr id="12" name="Straight Arrow Connector 11">
-              <a:extLst>
-                <a:ext uri="{FF2B5EF4-FFF2-40B4-BE49-F238E27FC236}">
-                  <a16:creationId xmlns:a16="http://schemas.microsoft.com/office/drawing/2014/main" id="{9F277E66-DF8F-A04D-9E68-10EFED25E029}"/>
-                </a:ext>
-              </a:extLst>
-            </p:cNvPr>
-            <p:cNvCxnSpPr>
-              <a:stCxn id="4" idx="3"/>
-              <a:endCxn id="5" idx="1"/>
-            </p:cNvCxnSpPr>
-            <p:nvPr/>
-          </p:nvCxnSpPr>
-          <p:spPr>
-            <a:xfrm>
-              <a:off x="2233062" y="2812942"/>
-              <a:ext cx="867605" cy="0"/>
-            </a:xfrm>
-            <a:prstGeom prst="straightConnector1">
-              <a:avLst/>
-            </a:prstGeom>
-            <a:ln w="12700">
-              <a:tailEnd type="triangle"/>
-            </a:ln>
-          </p:spPr>
-          <p:style>
-            <a:lnRef idx="1">
-              <a:schemeClr val="dk1"/>
-            </a:lnRef>
-            <a:fillRef idx="0">
-              <a:schemeClr val="dk1"/>
-            </a:fillRef>
-            <a:effectRef idx="0">
-              <a:schemeClr val="dk1"/>
-            </a:effectRef>
-            <a:fontRef idx="minor">
-              <a:schemeClr val="tx1"/>
-            </a:fontRef>
-          </p:style>
-        </p:cxnSp>
         <p:cxnSp>
           <p:nvCxnSpPr>
             <p:cNvPr id="13" name="Straight Arrow Connector 12">
@@ -3900,7 +3815,7 @@
           <p:spPr>
             <a:xfrm>
               <a:off x="6664943" y="2812941"/>
-              <a:ext cx="2848198" cy="0"/>
+              <a:ext cx="2762854" cy="490712"/>
             </a:xfrm>
             <a:prstGeom prst="straightConnector1">
               <a:avLst/>
@@ -3942,8 +3857,8 @@
           </p:nvCxnSpPr>
           <p:spPr>
             <a:xfrm flipV="1">
-              <a:off x="6664939" y="1207345"/>
-              <a:ext cx="449316" cy="512964"/>
+              <a:off x="6664939" y="1356099"/>
+              <a:ext cx="449312" cy="364210"/>
             </a:xfrm>
             <a:prstGeom prst="straightConnector1">
               <a:avLst/>
@@ -3985,8 +3900,8 @@
           </p:nvCxnSpPr>
           <p:spPr>
             <a:xfrm flipV="1">
-              <a:off x="6664939" y="2812941"/>
-              <a:ext cx="2848202" cy="981423"/>
+              <a:off x="6664939" y="3303653"/>
+              <a:ext cx="2762858" cy="490711"/>
             </a:xfrm>
             <a:prstGeom prst="straightConnector1">
               <a:avLst/>
@@ -4028,8 +3943,8 @@
           </p:nvCxnSpPr>
           <p:spPr>
             <a:xfrm>
-              <a:off x="8478106" y="1207345"/>
-              <a:ext cx="1035035" cy="1605596"/>
+              <a:off x="8478102" y="1356099"/>
+              <a:ext cx="949695" cy="1947554"/>
             </a:xfrm>
             <a:prstGeom prst="straightConnector1">
               <a:avLst/>
@@ -4067,7 +3982,7 @@
           </p:nvSpPr>
           <p:spPr>
             <a:xfrm>
-              <a:off x="7114255" y="1841420"/>
+              <a:off x="7114255" y="1839164"/>
               <a:ext cx="1363851" cy="728421"/>
             </a:xfrm>
             <a:prstGeom prst="rect">
@@ -4100,7 +4015,7 @@
               <a:pPr algn="ctr"/>
               <a:r>
                 <a:rPr lang="en-US" dirty="0"/>
-                <a:t>7-RSEC</a:t>
+                <a:t>(RSEC)</a:t>
               </a:r>
             </a:p>
           </p:txBody>
@@ -4124,7 +4039,7 @@
           <p:spPr>
             <a:xfrm>
               <a:off x="6664939" y="1720309"/>
-              <a:ext cx="449316" cy="485322"/>
+              <a:ext cx="449316" cy="483066"/>
             </a:xfrm>
             <a:prstGeom prst="straightConnector1">
               <a:avLst/>
@@ -4166,8 +4081,8 @@
           </p:nvCxnSpPr>
           <p:spPr>
             <a:xfrm>
-              <a:off x="8478106" y="2205631"/>
-              <a:ext cx="1035035" cy="607310"/>
+              <a:off x="8478106" y="2203375"/>
+              <a:ext cx="949691" cy="1100278"/>
             </a:xfrm>
             <a:prstGeom prst="straightConnector1">
               <a:avLst/>

--- a/Figures/workflow/workflow.pptx
+++ b/Figures/workflow/workflow.pptx
@@ -6,6 +6,7 @@
   </p:sldMasterIdLst>
   <p:sldIdLst>
     <p:sldId id="256" r:id="rId2"/>
+    <p:sldId id="257" r:id="rId3"/>
   </p:sldIdLst>
   <p:sldSz cx="12192000" cy="6858000"/>
   <p:notesSz cx="6858000" cy="9144000"/>
@@ -259,7 +260,7 @@
           <a:p>
             <a:fld id="{8BCF4D5A-B8DA-0B42-B122-40B606B4BD95}" type="datetimeFigureOut">
               <a:rPr lang="en-US" smtClean="0"/>
-              <a:t>9/13/19</a:t>
+              <a:t>9/16/19</a:t>
             </a:fld>
             <a:endParaRPr lang="en-US"/>
           </a:p>
@@ -457,7 +458,7 @@
           <a:p>
             <a:fld id="{8BCF4D5A-B8DA-0B42-B122-40B606B4BD95}" type="datetimeFigureOut">
               <a:rPr lang="en-US" smtClean="0"/>
-              <a:t>9/13/19</a:t>
+              <a:t>9/16/19</a:t>
             </a:fld>
             <a:endParaRPr lang="en-US"/>
           </a:p>
@@ -665,7 +666,7 @@
           <a:p>
             <a:fld id="{8BCF4D5A-B8DA-0B42-B122-40B606B4BD95}" type="datetimeFigureOut">
               <a:rPr lang="en-US" smtClean="0"/>
-              <a:t>9/13/19</a:t>
+              <a:t>9/16/19</a:t>
             </a:fld>
             <a:endParaRPr lang="en-US"/>
           </a:p>
@@ -863,7 +864,7 @@
           <a:p>
             <a:fld id="{8BCF4D5A-B8DA-0B42-B122-40B606B4BD95}" type="datetimeFigureOut">
               <a:rPr lang="en-US" smtClean="0"/>
-              <a:t>9/13/19</a:t>
+              <a:t>9/16/19</a:t>
             </a:fld>
             <a:endParaRPr lang="en-US"/>
           </a:p>
@@ -1138,7 +1139,7 @@
           <a:p>
             <a:fld id="{8BCF4D5A-B8DA-0B42-B122-40B606B4BD95}" type="datetimeFigureOut">
               <a:rPr lang="en-US" smtClean="0"/>
-              <a:t>9/13/19</a:t>
+              <a:t>9/16/19</a:t>
             </a:fld>
             <a:endParaRPr lang="en-US"/>
           </a:p>
@@ -1403,7 +1404,7 @@
           <a:p>
             <a:fld id="{8BCF4D5A-B8DA-0B42-B122-40B606B4BD95}" type="datetimeFigureOut">
               <a:rPr lang="en-US" smtClean="0"/>
-              <a:t>9/13/19</a:t>
+              <a:t>9/16/19</a:t>
             </a:fld>
             <a:endParaRPr lang="en-US"/>
           </a:p>
@@ -1815,7 +1816,7 @@
           <a:p>
             <a:fld id="{8BCF4D5A-B8DA-0B42-B122-40B606B4BD95}" type="datetimeFigureOut">
               <a:rPr lang="en-US" smtClean="0"/>
-              <a:t>9/13/19</a:t>
+              <a:t>9/16/19</a:t>
             </a:fld>
             <a:endParaRPr lang="en-US"/>
           </a:p>
@@ -1956,7 +1957,7 @@
           <a:p>
             <a:fld id="{8BCF4D5A-B8DA-0B42-B122-40B606B4BD95}" type="datetimeFigureOut">
               <a:rPr lang="en-US" smtClean="0"/>
-              <a:t>9/13/19</a:t>
+              <a:t>9/16/19</a:t>
             </a:fld>
             <a:endParaRPr lang="en-US"/>
           </a:p>
@@ -2069,7 +2070,7 @@
           <a:p>
             <a:fld id="{8BCF4D5A-B8DA-0B42-B122-40B606B4BD95}" type="datetimeFigureOut">
               <a:rPr lang="en-US" smtClean="0"/>
-              <a:t>9/13/19</a:t>
+              <a:t>9/16/19</a:t>
             </a:fld>
             <a:endParaRPr lang="en-US"/>
           </a:p>
@@ -2380,7 +2381,7 @@
           <a:p>
             <a:fld id="{8BCF4D5A-B8DA-0B42-B122-40B606B4BD95}" type="datetimeFigureOut">
               <a:rPr lang="en-US" smtClean="0"/>
-              <a:t>9/13/19</a:t>
+              <a:t>9/16/19</a:t>
             </a:fld>
             <a:endParaRPr lang="en-US"/>
           </a:p>
@@ -2668,7 +2669,7 @@
           <a:p>
             <a:fld id="{8BCF4D5A-B8DA-0B42-B122-40B606B4BD95}" type="datetimeFigureOut">
               <a:rPr lang="en-US" smtClean="0"/>
-              <a:t>9/13/19</a:t>
+              <a:t>9/16/19</a:t>
             </a:fld>
             <a:endParaRPr lang="en-US"/>
           </a:p>
@@ -2909,7 +2910,7 @@
           <a:p>
             <a:fld id="{8BCF4D5A-B8DA-0B42-B122-40B606B4BD95}" type="datetimeFigureOut">
               <a:rPr lang="en-US" smtClean="0"/>
-              <a:t>9/13/19</a:t>
+              <a:t>9/16/19</a:t>
             </a:fld>
             <a:endParaRPr lang="en-US"/>
           </a:p>
@@ -4120,6 +4121,665 @@
 </p:sld>
 </file>
 
+<file path=ppt/slides/slide2.xml><?xml version="1.0" encoding="utf-8"?>
+<p:sld xmlns:a="http://schemas.openxmlformats.org/drawingml/2006/main" xmlns:r="http://schemas.openxmlformats.org/officeDocument/2006/relationships" xmlns:p="http://schemas.openxmlformats.org/presentationml/2006/main">
+  <p:cSld>
+    <p:spTree>
+      <p:nvGrpSpPr>
+        <p:cNvPr id="1" name=""/>
+        <p:cNvGrpSpPr/>
+        <p:nvPr/>
+      </p:nvGrpSpPr>
+      <p:grpSpPr>
+        <a:xfrm>
+          <a:off x="0" y="0"/>
+          <a:ext cx="0" cy="0"/>
+          <a:chOff x="0" y="0"/>
+          <a:chExt cx="0" cy="0"/>
+        </a:xfrm>
+      </p:grpSpPr>
+      <p:sp>
+        <p:nvSpPr>
+          <p:cNvPr id="19" name="Rectangle 18">
+            <a:extLst>
+              <a:ext uri="{FF2B5EF4-FFF2-40B4-BE49-F238E27FC236}">
+                <a16:creationId xmlns:a16="http://schemas.microsoft.com/office/drawing/2014/main" id="{4665104F-5B04-E446-A442-5807790B5896}"/>
+              </a:ext>
+            </a:extLst>
+          </p:cNvPr>
+          <p:cNvSpPr/>
+          <p:nvPr/>
+        </p:nvSpPr>
+        <p:spPr>
+          <a:xfrm>
+            <a:off x="6611728" y="661154"/>
+            <a:ext cx="1363851" cy="728421"/>
+          </a:xfrm>
+          <a:prstGeom prst="rect">
+            <a:avLst/>
+          </a:prstGeom>
+          <a:ln w="28575">
+            <a:solidFill>
+              <a:schemeClr val="tx1"/>
+            </a:solidFill>
+          </a:ln>
+        </p:spPr>
+        <p:style>
+          <a:lnRef idx="2">
+            <a:schemeClr val="dk1"/>
+          </a:lnRef>
+          <a:fillRef idx="1">
+            <a:schemeClr val="lt1"/>
+          </a:fillRef>
+          <a:effectRef idx="0">
+            <a:schemeClr val="dk1"/>
+          </a:effectRef>
+          <a:fontRef idx="minor">
+            <a:schemeClr val="dk1"/>
+          </a:fontRef>
+        </p:style>
+        <p:txBody>
+          <a:bodyPr rtlCol="0" anchor="ctr"/>
+          <a:lstStyle/>
+          <a:p>
+            <a:pPr algn="ctr"/>
+            <a:r>
+              <a:rPr lang="en-US" dirty="0"/>
+              <a:t>Merges (list)</a:t>
+            </a:r>
+          </a:p>
+        </p:txBody>
+      </p:sp>
+      <p:sp>
+        <p:nvSpPr>
+          <p:cNvPr id="20" name="Rectangle 19">
+            <a:extLst>
+              <a:ext uri="{FF2B5EF4-FFF2-40B4-BE49-F238E27FC236}">
+                <a16:creationId xmlns:a16="http://schemas.microsoft.com/office/drawing/2014/main" id="{6EB17F3B-9C0F-8642-B40E-12526688C921}"/>
+              </a:ext>
+            </a:extLst>
+          </p:cNvPr>
+          <p:cNvSpPr/>
+          <p:nvPr/>
+        </p:nvSpPr>
+        <p:spPr>
+          <a:xfrm>
+            <a:off x="6611727" y="1534229"/>
+            <a:ext cx="1363851" cy="728421"/>
+          </a:xfrm>
+          <a:prstGeom prst="rect">
+            <a:avLst/>
+          </a:prstGeom>
+          <a:ln w="28575">
+            <a:solidFill>
+              <a:schemeClr val="tx1"/>
+            </a:solidFill>
+          </a:ln>
+        </p:spPr>
+        <p:style>
+          <a:lnRef idx="2">
+            <a:schemeClr val="dk1"/>
+          </a:lnRef>
+          <a:fillRef idx="1">
+            <a:schemeClr val="lt1"/>
+          </a:fillRef>
+          <a:effectRef idx="0">
+            <a:schemeClr val="dk1"/>
+          </a:effectRef>
+          <a:fontRef idx="minor">
+            <a:schemeClr val="dk1"/>
+          </a:fontRef>
+        </p:style>
+        <p:txBody>
+          <a:bodyPr rtlCol="0" anchor="ctr"/>
+          <a:lstStyle/>
+          <a:p>
+            <a:pPr algn="ctr"/>
+            <a:r>
+              <a:rPr lang="en-US" dirty="0"/>
+              <a:t>SC3 (matrix)</a:t>
+            </a:r>
+          </a:p>
+        </p:txBody>
+      </p:sp>
+      <p:sp>
+        <p:nvSpPr>
+          <p:cNvPr id="21" name="Rectangle 20">
+            <a:extLst>
+              <a:ext uri="{FF2B5EF4-FFF2-40B4-BE49-F238E27FC236}">
+                <a16:creationId xmlns:a16="http://schemas.microsoft.com/office/drawing/2014/main" id="{D5F3B24F-ACE5-774E-9521-4C588A8C5DD4}"/>
+              </a:ext>
+            </a:extLst>
+          </p:cNvPr>
+          <p:cNvSpPr/>
+          <p:nvPr/>
+        </p:nvSpPr>
+        <p:spPr>
+          <a:xfrm>
+            <a:off x="8235679" y="1534991"/>
+            <a:ext cx="1363851" cy="728421"/>
+          </a:xfrm>
+          <a:prstGeom prst="rect">
+            <a:avLst/>
+          </a:prstGeom>
+          <a:ln w="28575">
+            <a:solidFill>
+              <a:schemeClr val="tx1"/>
+            </a:solidFill>
+          </a:ln>
+        </p:spPr>
+        <p:style>
+          <a:lnRef idx="2">
+            <a:schemeClr val="dk1"/>
+          </a:lnRef>
+          <a:fillRef idx="1">
+            <a:schemeClr val="lt1"/>
+          </a:fillRef>
+          <a:effectRef idx="0">
+            <a:schemeClr val="dk1"/>
+          </a:effectRef>
+          <a:fontRef idx="minor">
+            <a:schemeClr val="dk1"/>
+          </a:fontRef>
+        </p:style>
+        <p:txBody>
+          <a:bodyPr rtlCol="0" anchor="ctr"/>
+          <a:lstStyle/>
+          <a:p>
+            <a:pPr algn="ctr"/>
+            <a:r>
+              <a:rPr lang="en-US" dirty="0"/>
+              <a:t>Seurat (matrix)</a:t>
+            </a:r>
+          </a:p>
+        </p:txBody>
+      </p:sp>
+      <p:sp>
+        <p:nvSpPr>
+          <p:cNvPr id="22" name="Rectangle 21">
+            <a:extLst>
+              <a:ext uri="{FF2B5EF4-FFF2-40B4-BE49-F238E27FC236}">
+                <a16:creationId xmlns:a16="http://schemas.microsoft.com/office/drawing/2014/main" id="{CD2C6600-FB94-A740-B897-CC0B709BF2F9}"/>
+              </a:ext>
+            </a:extLst>
+          </p:cNvPr>
+          <p:cNvSpPr/>
+          <p:nvPr/>
+        </p:nvSpPr>
+        <p:spPr>
+          <a:xfrm>
+            <a:off x="4987775" y="1531491"/>
+            <a:ext cx="1363851" cy="728421"/>
+          </a:xfrm>
+          <a:prstGeom prst="rect">
+            <a:avLst/>
+          </a:prstGeom>
+          <a:ln w="28575">
+            <a:solidFill>
+              <a:schemeClr val="tx1"/>
+            </a:solidFill>
+          </a:ln>
+        </p:spPr>
+        <p:style>
+          <a:lnRef idx="2">
+            <a:schemeClr val="dk1"/>
+          </a:lnRef>
+          <a:fillRef idx="1">
+            <a:schemeClr val="lt1"/>
+          </a:fillRef>
+          <a:effectRef idx="0">
+            <a:schemeClr val="dk1"/>
+          </a:effectRef>
+          <a:fontRef idx="minor">
+            <a:schemeClr val="dk1"/>
+          </a:fontRef>
+        </p:style>
+        <p:txBody>
+          <a:bodyPr rtlCol="0" anchor="ctr"/>
+          <a:lstStyle/>
+          <a:p>
+            <a:pPr algn="ctr"/>
+            <a:r>
+              <a:rPr lang="en-US" dirty="0"/>
+              <a:t>Monocle (matrix)</a:t>
+            </a:r>
+          </a:p>
+        </p:txBody>
+      </p:sp>
+      <p:cxnSp>
+        <p:nvCxnSpPr>
+          <p:cNvPr id="23" name="Straight Arrow Connector 22">
+            <a:extLst>
+              <a:ext uri="{FF2B5EF4-FFF2-40B4-BE49-F238E27FC236}">
+                <a16:creationId xmlns:a16="http://schemas.microsoft.com/office/drawing/2014/main" id="{C2912D0E-22D7-264D-958B-7CA6521F3104}"/>
+              </a:ext>
+            </a:extLst>
+          </p:cNvPr>
+          <p:cNvCxnSpPr>
+            <a:cxnSpLocks/>
+            <a:endCxn id="22" idx="0"/>
+          </p:cNvCxnSpPr>
+          <p:nvPr/>
+        </p:nvCxnSpPr>
+        <p:spPr>
+          <a:xfrm flipH="1">
+            <a:off x="5669701" y="1025364"/>
+            <a:ext cx="942026" cy="506127"/>
+          </a:xfrm>
+          <a:prstGeom prst="straightConnector1">
+            <a:avLst/>
+          </a:prstGeom>
+          <a:ln w="12700">
+            <a:tailEnd type="triangle"/>
+          </a:ln>
+        </p:spPr>
+        <p:style>
+          <a:lnRef idx="1">
+            <a:schemeClr val="dk1"/>
+          </a:lnRef>
+          <a:fillRef idx="0">
+            <a:schemeClr val="dk1"/>
+          </a:fillRef>
+          <a:effectRef idx="0">
+            <a:schemeClr val="dk1"/>
+          </a:effectRef>
+          <a:fontRef idx="minor">
+            <a:schemeClr val="tx1"/>
+          </a:fontRef>
+        </p:style>
+      </p:cxnSp>
+      <p:cxnSp>
+        <p:nvCxnSpPr>
+          <p:cNvPr id="26" name="Straight Arrow Connector 25">
+            <a:extLst>
+              <a:ext uri="{FF2B5EF4-FFF2-40B4-BE49-F238E27FC236}">
+                <a16:creationId xmlns:a16="http://schemas.microsoft.com/office/drawing/2014/main" id="{5E923D37-157D-D240-8D5E-B5C0AEC44AF1}"/>
+              </a:ext>
+            </a:extLst>
+          </p:cNvPr>
+          <p:cNvCxnSpPr>
+            <a:cxnSpLocks/>
+            <a:stCxn id="19" idx="2"/>
+            <a:endCxn id="20" idx="0"/>
+          </p:cNvCxnSpPr>
+          <p:nvPr/>
+        </p:nvCxnSpPr>
+        <p:spPr>
+          <a:xfrm flipH="1">
+            <a:off x="7293653" y="1389575"/>
+            <a:ext cx="1" cy="144654"/>
+          </a:xfrm>
+          <a:prstGeom prst="straightConnector1">
+            <a:avLst/>
+          </a:prstGeom>
+          <a:ln w="12700">
+            <a:tailEnd type="triangle"/>
+          </a:ln>
+        </p:spPr>
+        <p:style>
+          <a:lnRef idx="1">
+            <a:schemeClr val="dk1"/>
+          </a:lnRef>
+          <a:fillRef idx="0">
+            <a:schemeClr val="dk1"/>
+          </a:fillRef>
+          <a:effectRef idx="0">
+            <a:schemeClr val="dk1"/>
+          </a:effectRef>
+          <a:fontRef idx="minor">
+            <a:schemeClr val="tx1"/>
+          </a:fontRef>
+        </p:style>
+      </p:cxnSp>
+      <p:cxnSp>
+        <p:nvCxnSpPr>
+          <p:cNvPr id="29" name="Straight Arrow Connector 28">
+            <a:extLst>
+              <a:ext uri="{FF2B5EF4-FFF2-40B4-BE49-F238E27FC236}">
+                <a16:creationId xmlns:a16="http://schemas.microsoft.com/office/drawing/2014/main" id="{88FFD78B-5E13-6241-B18D-4C54C86DB5BA}"/>
+              </a:ext>
+            </a:extLst>
+          </p:cNvPr>
+          <p:cNvCxnSpPr>
+            <a:cxnSpLocks/>
+            <a:stCxn id="19" idx="3"/>
+            <a:endCxn id="21" idx="0"/>
+          </p:cNvCxnSpPr>
+          <p:nvPr/>
+        </p:nvCxnSpPr>
+        <p:spPr>
+          <a:xfrm>
+            <a:off x="7975579" y="1025365"/>
+            <a:ext cx="942026" cy="509626"/>
+          </a:xfrm>
+          <a:prstGeom prst="straightConnector1">
+            <a:avLst/>
+          </a:prstGeom>
+          <a:ln w="12700">
+            <a:tailEnd type="triangle"/>
+          </a:ln>
+        </p:spPr>
+        <p:style>
+          <a:lnRef idx="1">
+            <a:schemeClr val="dk1"/>
+          </a:lnRef>
+          <a:fillRef idx="0">
+            <a:schemeClr val="dk1"/>
+          </a:fillRef>
+          <a:effectRef idx="0">
+            <a:schemeClr val="dk1"/>
+          </a:effectRef>
+          <a:fontRef idx="minor">
+            <a:schemeClr val="tx1"/>
+          </a:fontRef>
+        </p:style>
+      </p:cxnSp>
+      <p:cxnSp>
+        <p:nvCxnSpPr>
+          <p:cNvPr id="32" name="Straight Arrow Connector 31">
+            <a:extLst>
+              <a:ext uri="{FF2B5EF4-FFF2-40B4-BE49-F238E27FC236}">
+                <a16:creationId xmlns:a16="http://schemas.microsoft.com/office/drawing/2014/main" id="{E9962175-E270-2547-AAA3-C508133DD1AC}"/>
+              </a:ext>
+            </a:extLst>
+          </p:cNvPr>
+          <p:cNvCxnSpPr>
+            <a:cxnSpLocks/>
+            <a:stCxn id="22" idx="2"/>
+            <a:endCxn id="33" idx="0"/>
+          </p:cNvCxnSpPr>
+          <p:nvPr/>
+        </p:nvCxnSpPr>
+        <p:spPr>
+          <a:xfrm flipH="1">
+            <a:off x="5669700" y="2259912"/>
+            <a:ext cx="1" cy="506127"/>
+          </a:xfrm>
+          <a:prstGeom prst="straightConnector1">
+            <a:avLst/>
+          </a:prstGeom>
+          <a:ln w="12700">
+            <a:tailEnd type="triangle"/>
+          </a:ln>
+        </p:spPr>
+        <p:style>
+          <a:lnRef idx="1">
+            <a:schemeClr val="dk1"/>
+          </a:lnRef>
+          <a:fillRef idx="0">
+            <a:schemeClr val="dk1"/>
+          </a:fillRef>
+          <a:effectRef idx="0">
+            <a:schemeClr val="dk1"/>
+          </a:effectRef>
+          <a:fontRef idx="minor">
+            <a:schemeClr val="tx1"/>
+          </a:fontRef>
+        </p:style>
+      </p:cxnSp>
+      <p:graphicFrame>
+        <p:nvGraphicFramePr>
+          <p:cNvPr id="33" name="Table 32">
+            <a:extLst>
+              <a:ext uri="{FF2B5EF4-FFF2-40B4-BE49-F238E27FC236}">
+                <a16:creationId xmlns:a16="http://schemas.microsoft.com/office/drawing/2014/main" id="{772F91D8-D7E3-1D41-A876-BDACA93BD9B2}"/>
+              </a:ext>
+            </a:extLst>
+          </p:cNvPr>
+          <p:cNvGraphicFramePr>
+            <a:graphicFrameLocks noGrp="1"/>
+          </p:cNvGraphicFramePr>
+          <p:nvPr>
+            <p:extLst>
+              <p:ext uri="{D42A27DB-BD31-4B8C-83A1-F6EECF244321}">
+                <p14:modId xmlns:p14="http://schemas.microsoft.com/office/powerpoint/2010/main" val="2874532253"/>
+              </p:ext>
+            </p:extLst>
+          </p:nvPr>
+        </p:nvGraphicFramePr>
+        <p:xfrm>
+          <a:off x="3379836" y="2766039"/>
+          <a:ext cx="4579728" cy="3225818"/>
+        </p:xfrm>
+        <a:graphic>
+          <a:graphicData uri="http://schemas.openxmlformats.org/drawingml/2006/table">
+            <a:tbl>
+              <a:tblPr firstRow="1" bandRow="1">
+                <a:tableStyleId>{5C22544A-7EE6-4342-B048-85BDC9FD1C3A}</a:tableStyleId>
+              </a:tblPr>
+              <a:tblGrid>
+                <a:gridCol w="1526576">
+                  <a:extLst>
+                    <a:ext uri="{9D8B030D-6E8A-4147-A177-3AD203B41FA5}">
+                      <a16:colId xmlns:a16="http://schemas.microsoft.com/office/drawing/2014/main" val="71674450"/>
+                    </a:ext>
+                  </a:extLst>
+                </a:gridCol>
+                <a:gridCol w="1526576">
+                  <a:extLst>
+                    <a:ext uri="{9D8B030D-6E8A-4147-A177-3AD203B41FA5}">
+                      <a16:colId xmlns:a16="http://schemas.microsoft.com/office/drawing/2014/main" val="2058027036"/>
+                    </a:ext>
+                  </a:extLst>
+                </a:gridCol>
+                <a:gridCol w="1526576">
+                  <a:extLst>
+                    <a:ext uri="{9D8B030D-6E8A-4147-A177-3AD203B41FA5}">
+                      <a16:colId xmlns:a16="http://schemas.microsoft.com/office/drawing/2014/main" val="669773094"/>
+                    </a:ext>
+                  </a:extLst>
+                </a:gridCol>
+              </a:tblGrid>
+              <a:tr h="783827">
+                <a:tc>
+                  <a:txBody>
+                    <a:bodyPr/>
+                    <a:lstStyle/>
+                    <a:p>
+                      <a:pPr algn="ctr"/>
+                      <a:endParaRPr lang="en-US" dirty="0"/>
+                    </a:p>
+                  </a:txBody>
+                  <a:tcPr anchor="ctr"/>
+                </a:tc>
+                <a:tc>
+                  <a:txBody>
+                    <a:bodyPr/>
+                    <a:lstStyle/>
+                    <a:p>
+                      <a:pPr algn="ctr"/>
+                      <a:r>
+                        <a:rPr lang="en-US" dirty="0"/>
+                        <a:t>ARI with sc3</a:t>
+                      </a:r>
+                    </a:p>
+                  </a:txBody>
+                  <a:tcPr anchor="ctr"/>
+                </a:tc>
+                <a:tc>
+                  <a:txBody>
+                    <a:bodyPr/>
+                    <a:lstStyle/>
+                    <a:p>
+                      <a:pPr algn="ctr"/>
+                      <a:r>
+                        <a:rPr lang="en-US" dirty="0"/>
+                        <a:t>ARI with Seurat</a:t>
+                      </a:r>
+                    </a:p>
+                  </a:txBody>
+                  <a:tcPr anchor="ctr"/>
+                </a:tc>
+                <a:extLst>
+                  <a:ext uri="{0D108BD9-81ED-4DB2-BD59-A6C34878D82A}">
+                    <a16:rowId xmlns:a16="http://schemas.microsoft.com/office/drawing/2014/main" val="1434081232"/>
+                  </a:ext>
+                </a:extLst>
+              </a:tr>
+              <a:tr h="813997">
+                <a:tc>
+                  <a:txBody>
+                    <a:bodyPr/>
+                    <a:lstStyle/>
+                    <a:p>
+                      <a:pPr algn="ctr"/>
+                      <a:r>
+                        <a:rPr lang="en-US" dirty="0"/>
+                        <a:t>Merging pair 1</a:t>
+                      </a:r>
+                    </a:p>
+                  </a:txBody>
+                  <a:tcPr anchor="ctr"/>
+                </a:tc>
+                <a:tc>
+                  <a:txBody>
+                    <a:bodyPr/>
+                    <a:lstStyle/>
+                    <a:p>
+                      <a:pPr algn="ctr"/>
+                      <a:r>
+                        <a:rPr lang="en-US" dirty="0"/>
+                        <a:t>0.69</a:t>
+                      </a:r>
+                    </a:p>
+                  </a:txBody>
+                  <a:tcPr anchor="ctr"/>
+                </a:tc>
+                <a:tc>
+                  <a:txBody>
+                    <a:bodyPr/>
+                    <a:lstStyle/>
+                    <a:p>
+                      <a:pPr algn="ctr"/>
+                      <a:r>
+                        <a:rPr lang="en-US" dirty="0"/>
+                        <a:t>0.83</a:t>
+                      </a:r>
+                    </a:p>
+                  </a:txBody>
+                  <a:tcPr anchor="ctr"/>
+                </a:tc>
+                <a:extLst>
+                  <a:ext uri="{0D108BD9-81ED-4DB2-BD59-A6C34878D82A}">
+                    <a16:rowId xmlns:a16="http://schemas.microsoft.com/office/drawing/2014/main" val="780676680"/>
+                  </a:ext>
+                </a:extLst>
+              </a:tr>
+              <a:tr h="813997">
+                <a:tc>
+                  <a:txBody>
+                    <a:bodyPr/>
+                    <a:lstStyle/>
+                    <a:p>
+                      <a:pPr algn="ctr"/>
+                      <a:r>
+                        <a:rPr lang="en-US" dirty="0"/>
+                        <a:t>Merging pair 2</a:t>
+                      </a:r>
+                    </a:p>
+                  </a:txBody>
+                  <a:tcPr anchor="ctr"/>
+                </a:tc>
+                <a:tc>
+                  <a:txBody>
+                    <a:bodyPr/>
+                    <a:lstStyle/>
+                    <a:p>
+                      <a:pPr algn="ctr"/>
+                      <a:r>
+                        <a:rPr lang="en-US" dirty="0"/>
+                        <a:t>…</a:t>
+                      </a:r>
+                    </a:p>
+                  </a:txBody>
+                  <a:tcPr anchor="ctr"/>
+                </a:tc>
+                <a:tc>
+                  <a:txBody>
+                    <a:bodyPr/>
+                    <a:lstStyle/>
+                    <a:p>
+                      <a:pPr algn="ctr"/>
+                      <a:r>
+                        <a:rPr lang="en-US" dirty="0"/>
+                        <a:t>…</a:t>
+                      </a:r>
+                    </a:p>
+                  </a:txBody>
+                  <a:tcPr anchor="ctr"/>
+                </a:tc>
+                <a:extLst>
+                  <a:ext uri="{0D108BD9-81ED-4DB2-BD59-A6C34878D82A}">
+                    <a16:rowId xmlns:a16="http://schemas.microsoft.com/office/drawing/2014/main" val="820113998"/>
+                  </a:ext>
+                </a:extLst>
+              </a:tr>
+              <a:tr h="813997">
+                <a:tc>
+                  <a:txBody>
+                    <a:bodyPr/>
+                    <a:lstStyle/>
+                    <a:p>
+                      <a:pPr algn="ctr"/>
+                      <a:r>
+                        <a:rPr lang="en-US" dirty="0"/>
+                        <a:t>…</a:t>
+                      </a:r>
+                    </a:p>
+                  </a:txBody>
+                  <a:tcPr anchor="ctr"/>
+                </a:tc>
+                <a:tc>
+                  <a:txBody>
+                    <a:bodyPr/>
+                    <a:lstStyle/>
+                    <a:p>
+                      <a:pPr algn="ctr"/>
+                      <a:r>
+                        <a:rPr lang="en-US" dirty="0"/>
+                        <a:t>…</a:t>
+                      </a:r>
+                    </a:p>
+                  </a:txBody>
+                  <a:tcPr anchor="ctr"/>
+                </a:tc>
+                <a:tc>
+                  <a:txBody>
+                    <a:bodyPr/>
+                    <a:lstStyle/>
+                    <a:p>
+                      <a:pPr algn="ctr"/>
+                      <a:r>
+                        <a:rPr lang="en-US" dirty="0"/>
+                        <a:t>…</a:t>
+                      </a:r>
+                    </a:p>
+                  </a:txBody>
+                  <a:tcPr anchor="ctr"/>
+                </a:tc>
+                <a:extLst>
+                  <a:ext uri="{0D108BD9-81ED-4DB2-BD59-A6C34878D82A}">
+                    <a16:rowId xmlns:a16="http://schemas.microsoft.com/office/drawing/2014/main" val="1338520990"/>
+                  </a:ext>
+                </a:extLst>
+              </a:tr>
+            </a:tbl>
+          </a:graphicData>
+        </a:graphic>
+      </p:graphicFrame>
+    </p:spTree>
+    <p:extLst>
+      <p:ext uri="{BB962C8B-B14F-4D97-AF65-F5344CB8AC3E}">
+        <p14:creationId xmlns:p14="http://schemas.microsoft.com/office/powerpoint/2010/main" val="2260522591"/>
+      </p:ext>
+    </p:extLst>
+  </p:cSld>
+  <p:clrMapOvr>
+    <a:masterClrMapping/>
+  </p:clrMapOvr>
+</p:sld>
+</file>
+
 <file path=ppt/theme/theme1.xml><?xml version="1.0" encoding="utf-8"?>
 <a:theme xmlns:a="http://schemas.openxmlformats.org/drawingml/2006/main" name="Office Theme">
   <a:themeElements>

--- a/Figures/workflow/workflow.pptx
+++ b/Figures/workflow/workflow.pptx
@@ -7,6 +7,7 @@
   <p:sldIdLst>
     <p:sldId id="256" r:id="rId2"/>
     <p:sldId id="257" r:id="rId3"/>
+    <p:sldId id="258" r:id="rId4"/>
   </p:sldIdLst>
   <p:sldSz cx="12192000" cy="6858000"/>
   <p:notesSz cx="6858000" cy="9144000"/>
@@ -260,7 +261,7 @@
           <a:p>
             <a:fld id="{8BCF4D5A-B8DA-0B42-B122-40B606B4BD95}" type="datetimeFigureOut">
               <a:rPr lang="en-US" smtClean="0"/>
-              <a:t>9/16/19</a:t>
+              <a:t>9/17/19</a:t>
             </a:fld>
             <a:endParaRPr lang="en-US"/>
           </a:p>
@@ -458,7 +459,7 @@
           <a:p>
             <a:fld id="{8BCF4D5A-B8DA-0B42-B122-40B606B4BD95}" type="datetimeFigureOut">
               <a:rPr lang="en-US" smtClean="0"/>
-              <a:t>9/16/19</a:t>
+              <a:t>9/17/19</a:t>
             </a:fld>
             <a:endParaRPr lang="en-US"/>
           </a:p>
@@ -666,7 +667,7 @@
           <a:p>
             <a:fld id="{8BCF4D5A-B8DA-0B42-B122-40B606B4BD95}" type="datetimeFigureOut">
               <a:rPr lang="en-US" smtClean="0"/>
-              <a:t>9/16/19</a:t>
+              <a:t>9/17/19</a:t>
             </a:fld>
             <a:endParaRPr lang="en-US"/>
           </a:p>
@@ -864,7 +865,7 @@
           <a:p>
             <a:fld id="{8BCF4D5A-B8DA-0B42-B122-40B606B4BD95}" type="datetimeFigureOut">
               <a:rPr lang="en-US" smtClean="0"/>
-              <a:t>9/16/19</a:t>
+              <a:t>9/17/19</a:t>
             </a:fld>
             <a:endParaRPr lang="en-US"/>
           </a:p>
@@ -1139,7 +1140,7 @@
           <a:p>
             <a:fld id="{8BCF4D5A-B8DA-0B42-B122-40B606B4BD95}" type="datetimeFigureOut">
               <a:rPr lang="en-US" smtClean="0"/>
-              <a:t>9/16/19</a:t>
+              <a:t>9/17/19</a:t>
             </a:fld>
             <a:endParaRPr lang="en-US"/>
           </a:p>
@@ -1404,7 +1405,7 @@
           <a:p>
             <a:fld id="{8BCF4D5A-B8DA-0B42-B122-40B606B4BD95}" type="datetimeFigureOut">
               <a:rPr lang="en-US" smtClean="0"/>
-              <a:t>9/16/19</a:t>
+              <a:t>9/17/19</a:t>
             </a:fld>
             <a:endParaRPr lang="en-US"/>
           </a:p>
@@ -1816,7 +1817,7 @@
           <a:p>
             <a:fld id="{8BCF4D5A-B8DA-0B42-B122-40B606B4BD95}" type="datetimeFigureOut">
               <a:rPr lang="en-US" smtClean="0"/>
-              <a:t>9/16/19</a:t>
+              <a:t>9/17/19</a:t>
             </a:fld>
             <a:endParaRPr lang="en-US"/>
           </a:p>
@@ -1957,7 +1958,7 @@
           <a:p>
             <a:fld id="{8BCF4D5A-B8DA-0B42-B122-40B606B4BD95}" type="datetimeFigureOut">
               <a:rPr lang="en-US" smtClean="0"/>
-              <a:t>9/16/19</a:t>
+              <a:t>9/17/19</a:t>
             </a:fld>
             <a:endParaRPr lang="en-US"/>
           </a:p>
@@ -2070,7 +2071,7 @@
           <a:p>
             <a:fld id="{8BCF4D5A-B8DA-0B42-B122-40B606B4BD95}" type="datetimeFigureOut">
               <a:rPr lang="en-US" smtClean="0"/>
-              <a:t>9/16/19</a:t>
+              <a:t>9/17/19</a:t>
             </a:fld>
             <a:endParaRPr lang="en-US"/>
           </a:p>
@@ -2381,7 +2382,7 @@
           <a:p>
             <a:fld id="{8BCF4D5A-B8DA-0B42-B122-40B606B4BD95}" type="datetimeFigureOut">
               <a:rPr lang="en-US" smtClean="0"/>
-              <a:t>9/16/19</a:t>
+              <a:t>9/17/19</a:t>
             </a:fld>
             <a:endParaRPr lang="en-US"/>
           </a:p>
@@ -2669,7 +2670,7 @@
           <a:p>
             <a:fld id="{8BCF4D5A-B8DA-0B42-B122-40B606B4BD95}" type="datetimeFigureOut">
               <a:rPr lang="en-US" smtClean="0"/>
-              <a:t>9/16/19</a:t>
+              <a:t>9/17/19</a:t>
             </a:fld>
             <a:endParaRPr lang="en-US"/>
           </a:p>
@@ -2910,7 +2911,7 @@
           <a:p>
             <a:fld id="{8BCF4D5A-B8DA-0B42-B122-40B606B4BD95}" type="datetimeFigureOut">
               <a:rPr lang="en-US" smtClean="0"/>
-              <a:t>9/16/19</a:t>
+              <a:t>9/17/19</a:t>
             </a:fld>
             <a:endParaRPr lang="en-US"/>
           </a:p>
@@ -4780,6 +4781,1935 @@
 </p:sld>
 </file>
 
+<file path=ppt/slides/slide3.xml><?xml version="1.0" encoding="utf-8"?>
+<p:sld xmlns:a="http://schemas.openxmlformats.org/drawingml/2006/main" xmlns:r="http://schemas.openxmlformats.org/officeDocument/2006/relationships" xmlns:p="http://schemas.openxmlformats.org/presentationml/2006/main">
+  <p:cSld>
+    <p:spTree>
+      <p:nvGrpSpPr>
+        <p:cNvPr id="1" name=""/>
+        <p:cNvGrpSpPr/>
+        <p:nvPr/>
+      </p:nvGrpSpPr>
+      <p:grpSpPr>
+        <a:xfrm>
+          <a:off x="0" y="0"/>
+          <a:ext cx="0" cy="0"/>
+          <a:chOff x="0" y="0"/>
+          <a:chExt cx="0" cy="0"/>
+        </a:xfrm>
+      </p:grpSpPr>
+      <p:graphicFrame>
+        <p:nvGraphicFramePr>
+          <p:cNvPr id="4" name="Table 3">
+            <a:extLst>
+              <a:ext uri="{FF2B5EF4-FFF2-40B4-BE49-F238E27FC236}">
+                <a16:creationId xmlns:a16="http://schemas.microsoft.com/office/drawing/2014/main" id="{E3715673-1102-F047-8BA1-4040F29B7D24}"/>
+              </a:ext>
+            </a:extLst>
+          </p:cNvPr>
+          <p:cNvGraphicFramePr>
+            <a:graphicFrameLocks noGrp="1"/>
+          </p:cNvGraphicFramePr>
+          <p:nvPr>
+            <p:extLst>
+              <p:ext uri="{D42A27DB-BD31-4B8C-83A1-F6EECF244321}">
+                <p14:modId xmlns:p14="http://schemas.microsoft.com/office/powerpoint/2010/main" val="2305875729"/>
+              </p:ext>
+            </p:extLst>
+          </p:nvPr>
+        </p:nvGraphicFramePr>
+        <p:xfrm>
+          <a:off x="390144" y="280416"/>
+          <a:ext cx="10533888" cy="5236614"/>
+        </p:xfrm>
+        <a:graphic>
+          <a:graphicData uri="http://schemas.openxmlformats.org/drawingml/2006/table">
+            <a:tbl>
+              <a:tblPr firstRow="1" firstCol="1" bandCol="1">
+                <a:tableStyleId>{9D7B26C5-4107-4FEC-AEDC-1716B250A1EF}</a:tableStyleId>
+              </a:tblPr>
+              <a:tblGrid>
+                <a:gridCol w="2427030">
+                  <a:extLst>
+                    <a:ext uri="{9D8B030D-6E8A-4147-A177-3AD203B41FA5}">
+                      <a16:colId xmlns:a16="http://schemas.microsoft.com/office/drawing/2014/main" val="1215327015"/>
+                    </a:ext>
+                  </a:extLst>
+                </a:gridCol>
+                <a:gridCol w="2104286">
+                  <a:extLst>
+                    <a:ext uri="{9D8B030D-6E8A-4147-A177-3AD203B41FA5}">
+                      <a16:colId xmlns:a16="http://schemas.microsoft.com/office/drawing/2014/main" val="238954983"/>
+                    </a:ext>
+                  </a:extLst>
+                </a:gridCol>
+                <a:gridCol w="1678265">
+                  <a:extLst>
+                    <a:ext uri="{9D8B030D-6E8A-4147-A177-3AD203B41FA5}">
+                      <a16:colId xmlns:a16="http://schemas.microsoft.com/office/drawing/2014/main" val="3384361290"/>
+                    </a:ext>
+                  </a:extLst>
+                </a:gridCol>
+                <a:gridCol w="2471123">
+                  <a:extLst>
+                    <a:ext uri="{9D8B030D-6E8A-4147-A177-3AD203B41FA5}">
+                      <a16:colId xmlns:a16="http://schemas.microsoft.com/office/drawing/2014/main" val="2513379545"/>
+                    </a:ext>
+                  </a:extLst>
+                </a:gridCol>
+                <a:gridCol w="717674">
+                  <a:extLst>
+                    <a:ext uri="{9D8B030D-6E8A-4147-A177-3AD203B41FA5}">
+                      <a16:colId xmlns:a16="http://schemas.microsoft.com/office/drawing/2014/main" val="2303852026"/>
+                    </a:ext>
+                  </a:extLst>
+                </a:gridCol>
+                <a:gridCol w="1135510">
+                  <a:extLst>
+                    <a:ext uri="{9D8B030D-6E8A-4147-A177-3AD203B41FA5}">
+                      <a16:colId xmlns:a16="http://schemas.microsoft.com/office/drawing/2014/main" val="1345141072"/>
+                    </a:ext>
+                  </a:extLst>
+                </a:gridCol>
+              </a:tblGrid>
+              <a:tr h="770178">
+                <a:tc>
+                  <a:txBody>
+                    <a:bodyPr/>
+                    <a:lstStyle/>
+                    <a:p>
+                      <a:pPr algn="ctr"/>
+                      <a:r>
+                        <a:rPr lang="en-US" dirty="0"/>
+                        <a:t>Datasets</a:t>
+                      </a:r>
+                    </a:p>
+                  </a:txBody>
+                  <a:tcPr anchor="ctr">
+                    <a:lnL w="12700" cap="flat" cmpd="sng" algn="ctr">
+                      <a:solidFill>
+                        <a:schemeClr val="tx1"/>
+                      </a:solidFill>
+                      <a:prstDash val="solid"/>
+                      <a:round/>
+                      <a:headEnd type="none" w="med" len="med"/>
+                      <a:tailEnd type="none" w="med" len="med"/>
+                    </a:lnL>
+                    <a:lnR w="12700" cap="flat" cmpd="sng" algn="ctr">
+                      <a:solidFill>
+                        <a:schemeClr val="tx1"/>
+                      </a:solidFill>
+                      <a:prstDash val="solid"/>
+                      <a:round/>
+                      <a:headEnd type="none" w="med" len="med"/>
+                      <a:tailEnd type="none" w="med" len="med"/>
+                    </a:lnR>
+                    <a:lnT w="12700" cap="flat" cmpd="sng" algn="ctr">
+                      <a:solidFill>
+                        <a:schemeClr val="tx1"/>
+                      </a:solidFill>
+                      <a:prstDash val="solid"/>
+                      <a:round/>
+                      <a:headEnd type="none" w="med" len="med"/>
+                      <a:tailEnd type="none" w="med" len="med"/>
+                    </a:lnT>
+                    <a:lnB w="12700" cap="flat" cmpd="sng" algn="ctr">
+                      <a:solidFill>
+                        <a:schemeClr val="tx1"/>
+                      </a:solidFill>
+                      <a:prstDash val="solid"/>
+                      <a:round/>
+                      <a:headEnd type="none" w="med" len="med"/>
+                      <a:tailEnd type="none" w="med" len="med"/>
+                    </a:lnB>
+                    <a:noFill/>
+                  </a:tcPr>
+                </a:tc>
+                <a:tc>
+                  <a:txBody>
+                    <a:bodyPr/>
+                    <a:lstStyle/>
+                    <a:p>
+                      <a:pPr algn="ctr"/>
+                      <a:r>
+                        <a:rPr lang="en-US" dirty="0" err="1"/>
+                        <a:t>singleMethod</a:t>
+                      </a:r>
+                      <a:endParaRPr lang="en-US" dirty="0"/>
+                    </a:p>
+                    <a:p>
+                      <a:pPr algn="ctr"/>
+                      <a:r>
+                        <a:rPr lang="en-US" dirty="0"/>
+                        <a:t>(many parameters)</a:t>
+                      </a:r>
+                    </a:p>
+                  </a:txBody>
+                  <a:tcPr anchor="ctr">
+                    <a:lnL w="12700" cap="flat" cmpd="sng" algn="ctr">
+                      <a:solidFill>
+                        <a:schemeClr val="tx1"/>
+                      </a:solidFill>
+                      <a:prstDash val="solid"/>
+                      <a:round/>
+                      <a:headEnd type="none" w="med" len="med"/>
+                      <a:tailEnd type="none" w="med" len="med"/>
+                    </a:lnL>
+                    <a:lnR w="12700" cap="flat" cmpd="sng" algn="ctr">
+                      <a:solidFill>
+                        <a:schemeClr val="tx1"/>
+                      </a:solidFill>
+                      <a:prstDash val="solid"/>
+                      <a:round/>
+                      <a:headEnd type="none" w="med" len="med"/>
+                      <a:tailEnd type="none" w="med" len="med"/>
+                    </a:lnR>
+                    <a:lnT w="12700" cap="flat" cmpd="sng" algn="ctr">
+                      <a:solidFill>
+                        <a:schemeClr val="tx1"/>
+                      </a:solidFill>
+                      <a:prstDash val="solid"/>
+                      <a:round/>
+                      <a:headEnd type="none" w="med" len="med"/>
+                      <a:tailEnd type="none" w="med" len="med"/>
+                    </a:lnT>
+                    <a:lnB w="12700" cap="flat" cmpd="sng" algn="ctr">
+                      <a:solidFill>
+                        <a:schemeClr val="tx1"/>
+                      </a:solidFill>
+                      <a:prstDash val="solid"/>
+                      <a:round/>
+                      <a:headEnd type="none" w="med" len="med"/>
+                      <a:tailEnd type="none" w="med" len="med"/>
+                    </a:lnB>
+                    <a:noFill/>
+                  </a:tcPr>
+                </a:tc>
+                <a:tc>
+                  <a:txBody>
+                    <a:bodyPr/>
+                    <a:lstStyle/>
+                    <a:p>
+                      <a:pPr algn="ctr"/>
+                      <a:r>
+                        <a:rPr lang="en-US" dirty="0" err="1"/>
+                        <a:t>singleMethod</a:t>
+                      </a:r>
+                      <a:endParaRPr lang="en-US" dirty="0"/>
+                    </a:p>
+                    <a:p>
+                      <a:pPr algn="ctr"/>
+                      <a:r>
+                        <a:rPr lang="en-US" dirty="0"/>
+                        <a:t>(one run)</a:t>
+                      </a:r>
+                    </a:p>
+                  </a:txBody>
+                  <a:tcPr anchor="ctr">
+                    <a:lnL w="12700" cap="flat" cmpd="sng" algn="ctr">
+                      <a:solidFill>
+                        <a:schemeClr val="tx1"/>
+                      </a:solidFill>
+                      <a:prstDash val="solid"/>
+                      <a:round/>
+                      <a:headEnd type="none" w="med" len="med"/>
+                      <a:tailEnd type="none" w="med" len="med"/>
+                    </a:lnL>
+                    <a:lnR w="12700" cap="flat" cmpd="sng" algn="ctr">
+                      <a:solidFill>
+                        <a:schemeClr val="tx1"/>
+                      </a:solidFill>
+                      <a:prstDash val="solid"/>
+                      <a:round/>
+                      <a:headEnd type="none" w="med" len="med"/>
+                      <a:tailEnd type="none" w="med" len="med"/>
+                    </a:lnR>
+                    <a:lnT w="12700" cap="flat" cmpd="sng" algn="ctr">
+                      <a:solidFill>
+                        <a:schemeClr val="tx1"/>
+                      </a:solidFill>
+                      <a:prstDash val="solid"/>
+                      <a:round/>
+                      <a:headEnd type="none" w="med" len="med"/>
+                      <a:tailEnd type="none" w="med" len="med"/>
+                    </a:lnT>
+                    <a:lnB w="12700" cap="flat" cmpd="sng" algn="ctr">
+                      <a:solidFill>
+                        <a:schemeClr val="tx1"/>
+                      </a:solidFill>
+                      <a:prstDash val="solid"/>
+                      <a:round/>
+                      <a:headEnd type="none" w="med" len="med"/>
+                      <a:tailEnd type="none" w="med" len="med"/>
+                    </a:lnB>
+                    <a:noFill/>
+                  </a:tcPr>
+                </a:tc>
+                <a:tc>
+                  <a:txBody>
+                    <a:bodyPr/>
+                    <a:lstStyle/>
+                    <a:p>
+                      <a:pPr marL="0" marR="0" lvl="0" indent="0" algn="ctr" defTabSz="914400" rtl="0" eaLnBrk="1" fontAlgn="auto" latinLnBrk="0" hangingPunct="1">
+                        <a:lnSpc>
+                          <a:spcPct val="100000"/>
+                        </a:lnSpc>
+                        <a:spcBef>
+                          <a:spcPts val="0"/>
+                        </a:spcBef>
+                        <a:spcAft>
+                          <a:spcPts val="0"/>
+                        </a:spcAft>
+                        <a:buClrTx/>
+                        <a:buSzTx/>
+                        <a:buFontTx/>
+                        <a:buNone/>
+                        <a:tabLst/>
+                        <a:defRPr/>
+                      </a:pPr>
+                      <a:r>
+                        <a:rPr lang="en-US" dirty="0" err="1"/>
+                        <a:t>singleTree</a:t>
+                      </a:r>
+                      <a:endParaRPr lang="en-US" dirty="0"/>
+                    </a:p>
+                  </a:txBody>
+                  <a:tcPr anchor="ctr">
+                    <a:lnL w="12700" cap="flat" cmpd="sng" algn="ctr">
+                      <a:solidFill>
+                        <a:schemeClr val="tx1"/>
+                      </a:solidFill>
+                      <a:prstDash val="solid"/>
+                      <a:round/>
+                      <a:headEnd type="none" w="med" len="med"/>
+                      <a:tailEnd type="none" w="med" len="med"/>
+                    </a:lnL>
+                    <a:lnR w="12700" cap="flat" cmpd="sng" algn="ctr">
+                      <a:solidFill>
+                        <a:schemeClr val="tx1"/>
+                      </a:solidFill>
+                      <a:prstDash val="solid"/>
+                      <a:round/>
+                      <a:headEnd type="none" w="med" len="med"/>
+                      <a:tailEnd type="none" w="med" len="med"/>
+                    </a:lnR>
+                    <a:lnT w="12700" cap="flat" cmpd="sng" algn="ctr">
+                      <a:solidFill>
+                        <a:schemeClr val="tx1"/>
+                      </a:solidFill>
+                      <a:prstDash val="solid"/>
+                      <a:round/>
+                      <a:headEnd type="none" w="med" len="med"/>
+                      <a:tailEnd type="none" w="med" len="med"/>
+                    </a:lnT>
+                    <a:lnB w="12700" cap="flat" cmpd="sng" algn="ctr">
+                      <a:solidFill>
+                        <a:schemeClr val="tx1"/>
+                      </a:solidFill>
+                      <a:prstDash val="solid"/>
+                      <a:round/>
+                      <a:headEnd type="none" w="med" len="med"/>
+                      <a:tailEnd type="none" w="med" len="med"/>
+                    </a:lnB>
+                    <a:noFill/>
+                  </a:tcPr>
+                </a:tc>
+                <a:tc>
+                  <a:txBody>
+                    <a:bodyPr/>
+                    <a:lstStyle/>
+                    <a:p>
+                      <a:pPr algn="ctr"/>
+                      <a:r>
+                        <a:rPr lang="en-US" dirty="0"/>
+                        <a:t>Dune</a:t>
+                      </a:r>
+                    </a:p>
+                  </a:txBody>
+                  <a:tcPr anchor="ctr">
+                    <a:lnL w="12700" cap="flat" cmpd="sng" algn="ctr">
+                      <a:solidFill>
+                        <a:schemeClr val="tx1"/>
+                      </a:solidFill>
+                      <a:prstDash val="solid"/>
+                      <a:round/>
+                      <a:headEnd type="none" w="med" len="med"/>
+                      <a:tailEnd type="none" w="med" len="med"/>
+                    </a:lnL>
+                    <a:lnR w="12700" cap="flat" cmpd="sng" algn="ctr">
+                      <a:solidFill>
+                        <a:schemeClr val="tx1"/>
+                      </a:solidFill>
+                      <a:prstDash val="solid"/>
+                      <a:round/>
+                      <a:headEnd type="none" w="med" len="med"/>
+                      <a:tailEnd type="none" w="med" len="med"/>
+                    </a:lnR>
+                    <a:lnT w="12700" cap="flat" cmpd="sng" algn="ctr">
+                      <a:solidFill>
+                        <a:schemeClr val="tx1"/>
+                      </a:solidFill>
+                      <a:prstDash val="solid"/>
+                      <a:round/>
+                      <a:headEnd type="none" w="med" len="med"/>
+                      <a:tailEnd type="none" w="med" len="med"/>
+                    </a:lnT>
+                    <a:lnB w="12700" cap="flat" cmpd="sng" algn="ctr">
+                      <a:solidFill>
+                        <a:schemeClr val="tx1"/>
+                      </a:solidFill>
+                      <a:prstDash val="solid"/>
+                      <a:round/>
+                      <a:headEnd type="none" w="med" len="med"/>
+                      <a:tailEnd type="none" w="med" len="med"/>
+                    </a:lnB>
+                    <a:noFill/>
+                  </a:tcPr>
+                </a:tc>
+                <a:tc>
+                  <a:txBody>
+                    <a:bodyPr/>
+                    <a:lstStyle/>
+                    <a:p>
+                      <a:pPr algn="ctr"/>
+                      <a:r>
+                        <a:rPr lang="en-US" dirty="0" err="1"/>
+                        <a:t>tSNE</a:t>
+                      </a:r>
+                      <a:endParaRPr lang="en-US" dirty="0"/>
+                    </a:p>
+                  </a:txBody>
+                  <a:tcPr anchor="ctr">
+                    <a:lnL w="12700" cap="flat" cmpd="sng" algn="ctr">
+                      <a:solidFill>
+                        <a:schemeClr val="tx1"/>
+                      </a:solidFill>
+                      <a:prstDash val="solid"/>
+                      <a:round/>
+                      <a:headEnd type="none" w="med" len="med"/>
+                      <a:tailEnd type="none" w="med" len="med"/>
+                    </a:lnL>
+                    <a:lnR w="12700" cap="flat" cmpd="sng" algn="ctr">
+                      <a:solidFill>
+                        <a:schemeClr val="tx1"/>
+                      </a:solidFill>
+                      <a:prstDash val="solid"/>
+                      <a:round/>
+                      <a:headEnd type="none" w="med" len="med"/>
+                      <a:tailEnd type="none" w="med" len="med"/>
+                    </a:lnR>
+                    <a:lnT w="12700" cap="flat" cmpd="sng" algn="ctr">
+                      <a:solidFill>
+                        <a:schemeClr val="tx1"/>
+                      </a:solidFill>
+                      <a:prstDash val="solid"/>
+                      <a:round/>
+                      <a:headEnd type="none" w="med" len="med"/>
+                      <a:tailEnd type="none" w="med" len="med"/>
+                    </a:lnT>
+                    <a:lnB w="12700" cap="flat" cmpd="sng" algn="ctr">
+                      <a:solidFill>
+                        <a:schemeClr val="tx1"/>
+                      </a:solidFill>
+                      <a:prstDash val="solid"/>
+                      <a:round/>
+                      <a:headEnd type="none" w="med" len="med"/>
+                      <a:tailEnd type="none" w="med" len="med"/>
+                    </a:lnB>
+                    <a:noFill/>
+                  </a:tcPr>
+                </a:tc>
+                <a:extLst>
+                  <a:ext uri="{0D108BD9-81ED-4DB2-BD59-A6C34878D82A}">
+                    <a16:rowId xmlns:a16="http://schemas.microsoft.com/office/drawing/2014/main" val="3946590031"/>
+                  </a:ext>
+                </a:extLst>
+              </a:tr>
+              <a:tr h="770178">
+                <a:tc>
+                  <a:txBody>
+                    <a:bodyPr/>
+                    <a:lstStyle/>
+                    <a:p>
+                      <a:pPr algn="ctr"/>
+                      <a:r>
+                        <a:rPr lang="en-US" dirty="0"/>
+                        <a:t>10x_cells_MOp</a:t>
+                      </a:r>
+                    </a:p>
+                  </a:txBody>
+                  <a:tcPr anchor="ctr">
+                    <a:lnL w="12700" cap="flat" cmpd="sng" algn="ctr">
+                      <a:solidFill>
+                        <a:schemeClr val="tx1"/>
+                      </a:solidFill>
+                      <a:prstDash val="solid"/>
+                      <a:round/>
+                      <a:headEnd type="none" w="med" len="med"/>
+                      <a:tailEnd type="none" w="med" len="med"/>
+                    </a:lnL>
+                    <a:lnR w="12700" cap="flat" cmpd="sng" algn="ctr">
+                      <a:solidFill>
+                        <a:schemeClr val="tx1"/>
+                      </a:solidFill>
+                      <a:prstDash val="solid"/>
+                      <a:round/>
+                      <a:headEnd type="none" w="med" len="med"/>
+                      <a:tailEnd type="none" w="med" len="med"/>
+                    </a:lnR>
+                    <a:lnT w="12700" cap="flat" cmpd="sng" algn="ctr">
+                      <a:solidFill>
+                        <a:schemeClr val="tx1"/>
+                      </a:solidFill>
+                      <a:prstDash val="solid"/>
+                      <a:round/>
+                      <a:headEnd type="none" w="med" len="med"/>
+                      <a:tailEnd type="none" w="med" len="med"/>
+                    </a:lnT>
+                    <a:lnB w="12700" cap="flat" cmpd="sng" algn="ctr">
+                      <a:solidFill>
+                        <a:schemeClr val="tx1"/>
+                      </a:solidFill>
+                      <a:prstDash val="solid"/>
+                      <a:round/>
+                      <a:headEnd type="none" w="med" len="med"/>
+                      <a:tailEnd type="none" w="med" len="med"/>
+                    </a:lnB>
+                    <a:noFill/>
+                  </a:tcPr>
+                </a:tc>
+                <a:tc>
+                  <a:txBody>
+                    <a:bodyPr/>
+                    <a:lstStyle/>
+                    <a:p>
+                      <a:pPr algn="ctr"/>
+                      <a:r>
+                        <a:rPr lang="en-US" dirty="0"/>
+                        <a:t>_</a:t>
+                      </a:r>
+                      <a:r>
+                        <a:rPr lang="en-US" dirty="0" err="1"/>
+                        <a:t>Seurat.csv</a:t>
+                      </a:r>
+                      <a:endParaRPr lang="en-US" dirty="0"/>
+                    </a:p>
+                    <a:p>
+                      <a:pPr algn="ctr"/>
+                      <a:r>
+                        <a:rPr lang="en-US" dirty="0"/>
+                        <a:t>_</a:t>
+                      </a:r>
+                      <a:r>
+                        <a:rPr lang="en-US" dirty="0" err="1"/>
+                        <a:t>Monocle.csv</a:t>
+                      </a:r>
+                      <a:endParaRPr lang="en-US" dirty="0"/>
+                    </a:p>
+                  </a:txBody>
+                  <a:tcPr anchor="ctr">
+                    <a:lnL w="12700" cap="flat" cmpd="sng" algn="ctr">
+                      <a:solidFill>
+                        <a:schemeClr val="tx1"/>
+                      </a:solidFill>
+                      <a:prstDash val="solid"/>
+                      <a:round/>
+                      <a:headEnd type="none" w="med" len="med"/>
+                      <a:tailEnd type="none" w="med" len="med"/>
+                    </a:lnL>
+                    <a:lnR w="12700" cap="flat" cmpd="sng" algn="ctr">
+                      <a:solidFill>
+                        <a:schemeClr val="tx1"/>
+                      </a:solidFill>
+                      <a:prstDash val="solid"/>
+                      <a:round/>
+                      <a:headEnd type="none" w="med" len="med"/>
+                      <a:tailEnd type="none" w="med" len="med"/>
+                    </a:lnR>
+                    <a:lnT w="12700" cap="flat" cmpd="sng" algn="ctr">
+                      <a:solidFill>
+                        <a:schemeClr val="tx1"/>
+                      </a:solidFill>
+                      <a:prstDash val="solid"/>
+                      <a:round/>
+                      <a:headEnd type="none" w="med" len="med"/>
+                      <a:tailEnd type="none" w="med" len="med"/>
+                    </a:lnT>
+                    <a:lnB w="12700" cap="flat" cmpd="sng" algn="ctr">
+                      <a:solidFill>
+                        <a:schemeClr val="tx1"/>
+                      </a:solidFill>
+                      <a:prstDash val="solid"/>
+                      <a:round/>
+                      <a:headEnd type="none" w="med" len="med"/>
+                      <a:tailEnd type="none" w="med" len="med"/>
+                    </a:lnB>
+                    <a:noFill/>
+                  </a:tcPr>
+                </a:tc>
+                <a:tc>
+                  <a:txBody>
+                    <a:bodyPr/>
+                    <a:lstStyle/>
+                    <a:p>
+                      <a:pPr algn="ctr"/>
+                      <a:r>
+                        <a:rPr lang="en-US" dirty="0"/>
+                        <a:t>_SC3.csv</a:t>
+                      </a:r>
+                    </a:p>
+                  </a:txBody>
+                  <a:tcPr anchor="ctr">
+                    <a:lnL w="12700" cap="flat" cmpd="sng" algn="ctr">
+                      <a:solidFill>
+                        <a:schemeClr val="tx1"/>
+                      </a:solidFill>
+                      <a:prstDash val="solid"/>
+                      <a:round/>
+                      <a:headEnd type="none" w="med" len="med"/>
+                      <a:tailEnd type="none" w="med" len="med"/>
+                    </a:lnL>
+                    <a:lnR w="12700" cap="flat" cmpd="sng" algn="ctr">
+                      <a:solidFill>
+                        <a:schemeClr val="tx1"/>
+                      </a:solidFill>
+                      <a:prstDash val="solid"/>
+                      <a:round/>
+                      <a:headEnd type="none" w="med" len="med"/>
+                      <a:tailEnd type="none" w="med" len="med"/>
+                    </a:lnR>
+                    <a:lnT w="12700" cap="flat" cmpd="sng" algn="ctr">
+                      <a:solidFill>
+                        <a:schemeClr val="tx1"/>
+                      </a:solidFill>
+                      <a:prstDash val="solid"/>
+                      <a:round/>
+                      <a:headEnd type="none" w="med" len="med"/>
+                      <a:tailEnd type="none" w="med" len="med"/>
+                    </a:lnT>
+                    <a:lnB w="12700" cap="flat" cmpd="sng" algn="ctr">
+                      <a:solidFill>
+                        <a:schemeClr val="tx1"/>
+                      </a:solidFill>
+                      <a:prstDash val="solid"/>
+                      <a:round/>
+                      <a:headEnd type="none" w="med" len="med"/>
+                      <a:tailEnd type="none" w="med" len="med"/>
+                    </a:lnB>
+                    <a:noFill/>
+                  </a:tcPr>
+                </a:tc>
+                <a:tc>
+                  <a:txBody>
+                    <a:bodyPr/>
+                    <a:lstStyle/>
+                    <a:p>
+                      <a:pPr algn="ctr"/>
+                      <a:r>
+                        <a:rPr lang="en-US" dirty="0"/>
+                        <a:t>/</a:t>
+                      </a:r>
+                    </a:p>
+                  </a:txBody>
+                  <a:tcPr anchor="ctr">
+                    <a:lnL w="12700" cap="flat" cmpd="sng" algn="ctr">
+                      <a:solidFill>
+                        <a:schemeClr val="tx1"/>
+                      </a:solidFill>
+                      <a:prstDash val="solid"/>
+                      <a:round/>
+                      <a:headEnd type="none" w="med" len="med"/>
+                      <a:tailEnd type="none" w="med" len="med"/>
+                    </a:lnL>
+                    <a:lnR w="12700" cap="flat" cmpd="sng" algn="ctr">
+                      <a:solidFill>
+                        <a:schemeClr val="tx1"/>
+                      </a:solidFill>
+                      <a:prstDash val="solid"/>
+                      <a:round/>
+                      <a:headEnd type="none" w="med" len="med"/>
+                      <a:tailEnd type="none" w="med" len="med"/>
+                    </a:lnR>
+                    <a:lnT w="12700" cap="flat" cmpd="sng" algn="ctr">
+                      <a:solidFill>
+                        <a:schemeClr val="tx1"/>
+                      </a:solidFill>
+                      <a:prstDash val="solid"/>
+                      <a:round/>
+                      <a:headEnd type="none" w="med" len="med"/>
+                      <a:tailEnd type="none" w="med" len="med"/>
+                    </a:lnT>
+                    <a:lnB w="12700" cap="flat" cmpd="sng" algn="ctr">
+                      <a:solidFill>
+                        <a:schemeClr val="tx1"/>
+                      </a:solidFill>
+                      <a:prstDash val="solid"/>
+                      <a:round/>
+                      <a:headEnd type="none" w="med" len="med"/>
+                      <a:tailEnd type="none" w="med" len="med"/>
+                    </a:lnB>
+                    <a:noFill/>
+                  </a:tcPr>
+                </a:tc>
+                <a:tc>
+                  <a:txBody>
+                    <a:bodyPr/>
+                    <a:lstStyle/>
+                    <a:p>
+                      <a:pPr algn="ctr"/>
+                      <a:r>
+                        <a:rPr lang="en-US" dirty="0"/>
+                        <a:t>.csv</a:t>
+                      </a:r>
+                    </a:p>
+                  </a:txBody>
+                  <a:tcPr anchor="ctr">
+                    <a:lnL w="12700" cap="flat" cmpd="sng" algn="ctr">
+                      <a:solidFill>
+                        <a:schemeClr val="tx1"/>
+                      </a:solidFill>
+                      <a:prstDash val="solid"/>
+                      <a:round/>
+                      <a:headEnd type="none" w="med" len="med"/>
+                      <a:tailEnd type="none" w="med" len="med"/>
+                    </a:lnL>
+                    <a:lnR w="12700" cap="flat" cmpd="sng" algn="ctr">
+                      <a:solidFill>
+                        <a:schemeClr val="tx1"/>
+                      </a:solidFill>
+                      <a:prstDash val="solid"/>
+                      <a:round/>
+                      <a:headEnd type="none" w="med" len="med"/>
+                      <a:tailEnd type="none" w="med" len="med"/>
+                    </a:lnR>
+                    <a:lnT w="12700" cap="flat" cmpd="sng" algn="ctr">
+                      <a:solidFill>
+                        <a:schemeClr val="tx1"/>
+                      </a:solidFill>
+                      <a:prstDash val="solid"/>
+                      <a:round/>
+                      <a:headEnd type="none" w="med" len="med"/>
+                      <a:tailEnd type="none" w="med" len="med"/>
+                    </a:lnT>
+                    <a:lnB w="12700" cap="flat" cmpd="sng" algn="ctr">
+                      <a:solidFill>
+                        <a:schemeClr val="tx1"/>
+                      </a:solidFill>
+                      <a:prstDash val="solid"/>
+                      <a:round/>
+                      <a:headEnd type="none" w="med" len="med"/>
+                      <a:tailEnd type="none" w="med" len="med"/>
+                    </a:lnB>
+                    <a:noFill/>
+                  </a:tcPr>
+                </a:tc>
+                <a:tc>
+                  <a:txBody>
+                    <a:bodyPr/>
+                    <a:lstStyle/>
+                    <a:p>
+                      <a:pPr algn="ctr"/>
+                      <a:r>
+                        <a:rPr lang="en-US" dirty="0"/>
+                        <a:t>_</a:t>
+                      </a:r>
+                      <a:r>
+                        <a:rPr lang="en-US" dirty="0" err="1"/>
+                        <a:t>tnse.csv</a:t>
+                      </a:r>
+                      <a:endParaRPr lang="en-US" dirty="0"/>
+                    </a:p>
+                  </a:txBody>
+                  <a:tcPr anchor="ctr">
+                    <a:lnL w="12700" cap="flat" cmpd="sng" algn="ctr">
+                      <a:solidFill>
+                        <a:schemeClr val="tx1"/>
+                      </a:solidFill>
+                      <a:prstDash val="solid"/>
+                      <a:round/>
+                      <a:headEnd type="none" w="med" len="med"/>
+                      <a:tailEnd type="none" w="med" len="med"/>
+                    </a:lnL>
+                    <a:lnR w="12700" cap="flat" cmpd="sng" algn="ctr">
+                      <a:solidFill>
+                        <a:schemeClr val="tx1"/>
+                      </a:solidFill>
+                      <a:prstDash val="solid"/>
+                      <a:round/>
+                      <a:headEnd type="none" w="med" len="med"/>
+                      <a:tailEnd type="none" w="med" len="med"/>
+                    </a:lnR>
+                    <a:lnT w="12700" cap="flat" cmpd="sng" algn="ctr">
+                      <a:solidFill>
+                        <a:schemeClr val="tx1"/>
+                      </a:solidFill>
+                      <a:prstDash val="solid"/>
+                      <a:round/>
+                      <a:headEnd type="none" w="med" len="med"/>
+                      <a:tailEnd type="none" w="med" len="med"/>
+                    </a:lnT>
+                    <a:lnB w="12700" cap="flat" cmpd="sng" algn="ctr">
+                      <a:solidFill>
+                        <a:schemeClr val="tx1"/>
+                      </a:solidFill>
+                      <a:prstDash val="solid"/>
+                      <a:round/>
+                      <a:headEnd type="none" w="med" len="med"/>
+                      <a:tailEnd type="none" w="med" len="med"/>
+                    </a:lnB>
+                    <a:noFill/>
+                  </a:tcPr>
+                </a:tc>
+                <a:extLst>
+                  <a:ext uri="{0D108BD9-81ED-4DB2-BD59-A6C34878D82A}">
+                    <a16:rowId xmlns:a16="http://schemas.microsoft.com/office/drawing/2014/main" val="1704193524"/>
+                  </a:ext>
+                </a:extLst>
+              </a:tr>
+              <a:tr h="770178">
+                <a:tc>
+                  <a:txBody>
+                    <a:bodyPr/>
+                    <a:lstStyle/>
+                    <a:p>
+                      <a:pPr marL="0" marR="0" lvl="0" indent="0" algn="ctr" defTabSz="914400" rtl="0" eaLnBrk="1" fontAlgn="auto" latinLnBrk="0" hangingPunct="1">
+                        <a:lnSpc>
+                          <a:spcPct val="100000"/>
+                        </a:lnSpc>
+                        <a:spcBef>
+                          <a:spcPts val="0"/>
+                        </a:spcBef>
+                        <a:spcAft>
+                          <a:spcPts val="0"/>
+                        </a:spcAft>
+                        <a:buClrTx/>
+                        <a:buSzTx/>
+                        <a:buFontTx/>
+                        <a:buNone/>
+                        <a:tabLst/>
+                        <a:defRPr/>
+                      </a:pPr>
+                      <a:r>
+                        <a:rPr lang="en-US" dirty="0"/>
+                        <a:t>10x_nuclei_MOp</a:t>
+                      </a:r>
+                    </a:p>
+                  </a:txBody>
+                  <a:tcPr anchor="ctr">
+                    <a:lnL w="12700" cap="flat" cmpd="sng" algn="ctr">
+                      <a:solidFill>
+                        <a:schemeClr val="tx1"/>
+                      </a:solidFill>
+                      <a:prstDash val="solid"/>
+                      <a:round/>
+                      <a:headEnd type="none" w="med" len="med"/>
+                      <a:tailEnd type="none" w="med" len="med"/>
+                    </a:lnL>
+                    <a:lnR w="12700" cap="flat" cmpd="sng" algn="ctr">
+                      <a:solidFill>
+                        <a:schemeClr val="tx1"/>
+                      </a:solidFill>
+                      <a:prstDash val="solid"/>
+                      <a:round/>
+                      <a:headEnd type="none" w="med" len="med"/>
+                      <a:tailEnd type="none" w="med" len="med"/>
+                    </a:lnR>
+                    <a:lnT w="12700" cap="flat" cmpd="sng" algn="ctr">
+                      <a:solidFill>
+                        <a:schemeClr val="tx1"/>
+                      </a:solidFill>
+                      <a:prstDash val="solid"/>
+                      <a:round/>
+                      <a:headEnd type="none" w="med" len="med"/>
+                      <a:tailEnd type="none" w="med" len="med"/>
+                    </a:lnT>
+                    <a:lnB w="12700" cap="flat" cmpd="sng" algn="ctr">
+                      <a:solidFill>
+                        <a:schemeClr val="tx1"/>
+                      </a:solidFill>
+                      <a:prstDash val="solid"/>
+                      <a:round/>
+                      <a:headEnd type="none" w="med" len="med"/>
+                      <a:tailEnd type="none" w="med" len="med"/>
+                    </a:lnB>
+                    <a:noFill/>
+                  </a:tcPr>
+                </a:tc>
+                <a:tc>
+                  <a:txBody>
+                    <a:bodyPr/>
+                    <a:lstStyle/>
+                    <a:p>
+                      <a:pPr algn="ctr"/>
+                      <a:r>
+                        <a:rPr lang="en-US" dirty="0"/>
+                        <a:t>_</a:t>
+                      </a:r>
+                      <a:r>
+                        <a:rPr lang="en-US" dirty="0" err="1"/>
+                        <a:t>Seurat.csv</a:t>
+                      </a:r>
+                      <a:endParaRPr lang="en-US" dirty="0"/>
+                    </a:p>
+                    <a:p>
+                      <a:pPr algn="ctr"/>
+                      <a:r>
+                        <a:rPr lang="en-US" dirty="0"/>
+                        <a:t>_</a:t>
+                      </a:r>
+                      <a:r>
+                        <a:rPr lang="en-US" dirty="0" err="1"/>
+                        <a:t>Monocle.csv</a:t>
+                      </a:r>
+                      <a:endParaRPr lang="en-US" dirty="0"/>
+                    </a:p>
+                  </a:txBody>
+                  <a:tcPr anchor="ctr">
+                    <a:lnL w="12700" cap="flat" cmpd="sng" algn="ctr">
+                      <a:solidFill>
+                        <a:schemeClr val="tx1"/>
+                      </a:solidFill>
+                      <a:prstDash val="solid"/>
+                      <a:round/>
+                      <a:headEnd type="none" w="med" len="med"/>
+                      <a:tailEnd type="none" w="med" len="med"/>
+                    </a:lnL>
+                    <a:lnR w="12700" cap="flat" cmpd="sng" algn="ctr">
+                      <a:solidFill>
+                        <a:schemeClr val="tx1"/>
+                      </a:solidFill>
+                      <a:prstDash val="solid"/>
+                      <a:round/>
+                      <a:headEnd type="none" w="med" len="med"/>
+                      <a:tailEnd type="none" w="med" len="med"/>
+                    </a:lnR>
+                    <a:lnT w="12700" cap="flat" cmpd="sng" algn="ctr">
+                      <a:solidFill>
+                        <a:schemeClr val="tx1"/>
+                      </a:solidFill>
+                      <a:prstDash val="solid"/>
+                      <a:round/>
+                      <a:headEnd type="none" w="med" len="med"/>
+                      <a:tailEnd type="none" w="med" len="med"/>
+                    </a:lnT>
+                    <a:lnB w="12700" cap="flat" cmpd="sng" algn="ctr">
+                      <a:solidFill>
+                        <a:schemeClr val="tx1"/>
+                      </a:solidFill>
+                      <a:prstDash val="solid"/>
+                      <a:round/>
+                      <a:headEnd type="none" w="med" len="med"/>
+                      <a:tailEnd type="none" w="med" len="med"/>
+                    </a:lnB>
+                    <a:noFill/>
+                  </a:tcPr>
+                </a:tc>
+                <a:tc>
+                  <a:txBody>
+                    <a:bodyPr/>
+                    <a:lstStyle/>
+                    <a:p>
+                      <a:pPr algn="ctr"/>
+                      <a:r>
+                        <a:rPr lang="en-US" dirty="0"/>
+                        <a:t>_SC3.csv</a:t>
+                      </a:r>
+                    </a:p>
+                  </a:txBody>
+                  <a:tcPr anchor="ctr">
+                    <a:lnL w="12700" cap="flat" cmpd="sng" algn="ctr">
+                      <a:solidFill>
+                        <a:schemeClr val="tx1"/>
+                      </a:solidFill>
+                      <a:prstDash val="solid"/>
+                      <a:round/>
+                      <a:headEnd type="none" w="med" len="med"/>
+                      <a:tailEnd type="none" w="med" len="med"/>
+                    </a:lnL>
+                    <a:lnR w="12700" cap="flat" cmpd="sng" algn="ctr">
+                      <a:solidFill>
+                        <a:schemeClr val="tx1"/>
+                      </a:solidFill>
+                      <a:prstDash val="solid"/>
+                      <a:round/>
+                      <a:headEnd type="none" w="med" len="med"/>
+                      <a:tailEnd type="none" w="med" len="med"/>
+                    </a:lnR>
+                    <a:lnT w="12700" cap="flat" cmpd="sng" algn="ctr">
+                      <a:solidFill>
+                        <a:schemeClr val="tx1"/>
+                      </a:solidFill>
+                      <a:prstDash val="solid"/>
+                      <a:round/>
+                      <a:headEnd type="none" w="med" len="med"/>
+                      <a:tailEnd type="none" w="med" len="med"/>
+                    </a:lnT>
+                    <a:lnB w="12700" cap="flat" cmpd="sng" algn="ctr">
+                      <a:solidFill>
+                        <a:schemeClr val="tx1"/>
+                      </a:solidFill>
+                      <a:prstDash val="solid"/>
+                      <a:round/>
+                      <a:headEnd type="none" w="med" len="med"/>
+                      <a:tailEnd type="none" w="med" len="med"/>
+                    </a:lnB>
+                    <a:noFill/>
+                  </a:tcPr>
+                </a:tc>
+                <a:tc>
+                  <a:txBody>
+                    <a:bodyPr/>
+                    <a:lstStyle/>
+                    <a:p>
+                      <a:pPr algn="ctr"/>
+                      <a:r>
+                        <a:rPr lang="en-US" dirty="0"/>
+                        <a:t>/</a:t>
+                      </a:r>
+                    </a:p>
+                  </a:txBody>
+                  <a:tcPr anchor="ctr">
+                    <a:lnL w="12700" cap="flat" cmpd="sng" algn="ctr">
+                      <a:solidFill>
+                        <a:schemeClr val="tx1"/>
+                      </a:solidFill>
+                      <a:prstDash val="solid"/>
+                      <a:round/>
+                      <a:headEnd type="none" w="med" len="med"/>
+                      <a:tailEnd type="none" w="med" len="med"/>
+                    </a:lnL>
+                    <a:lnR w="12700" cap="flat" cmpd="sng" algn="ctr">
+                      <a:solidFill>
+                        <a:schemeClr val="tx1"/>
+                      </a:solidFill>
+                      <a:prstDash val="solid"/>
+                      <a:round/>
+                      <a:headEnd type="none" w="med" len="med"/>
+                      <a:tailEnd type="none" w="med" len="med"/>
+                    </a:lnR>
+                    <a:lnT w="12700" cap="flat" cmpd="sng" algn="ctr">
+                      <a:solidFill>
+                        <a:schemeClr val="tx1"/>
+                      </a:solidFill>
+                      <a:prstDash val="solid"/>
+                      <a:round/>
+                      <a:headEnd type="none" w="med" len="med"/>
+                      <a:tailEnd type="none" w="med" len="med"/>
+                    </a:lnT>
+                    <a:lnB w="12700" cap="flat" cmpd="sng" algn="ctr">
+                      <a:solidFill>
+                        <a:schemeClr val="tx1"/>
+                      </a:solidFill>
+                      <a:prstDash val="solid"/>
+                      <a:round/>
+                      <a:headEnd type="none" w="med" len="med"/>
+                      <a:tailEnd type="none" w="med" len="med"/>
+                    </a:lnB>
+                    <a:noFill/>
+                  </a:tcPr>
+                </a:tc>
+                <a:tc>
+                  <a:txBody>
+                    <a:bodyPr/>
+                    <a:lstStyle/>
+                    <a:p>
+                      <a:pPr algn="ctr"/>
+                      <a:r>
+                        <a:rPr lang="en-US" dirty="0"/>
+                        <a:t>.csv</a:t>
+                      </a:r>
+                    </a:p>
+                  </a:txBody>
+                  <a:tcPr anchor="ctr">
+                    <a:lnL w="12700" cap="flat" cmpd="sng" algn="ctr">
+                      <a:solidFill>
+                        <a:schemeClr val="tx1"/>
+                      </a:solidFill>
+                      <a:prstDash val="solid"/>
+                      <a:round/>
+                      <a:headEnd type="none" w="med" len="med"/>
+                      <a:tailEnd type="none" w="med" len="med"/>
+                    </a:lnL>
+                    <a:lnR w="12700" cap="flat" cmpd="sng" algn="ctr">
+                      <a:solidFill>
+                        <a:schemeClr val="tx1"/>
+                      </a:solidFill>
+                      <a:prstDash val="solid"/>
+                      <a:round/>
+                      <a:headEnd type="none" w="med" len="med"/>
+                      <a:tailEnd type="none" w="med" len="med"/>
+                    </a:lnR>
+                    <a:lnT w="12700" cap="flat" cmpd="sng" algn="ctr">
+                      <a:solidFill>
+                        <a:schemeClr val="tx1"/>
+                      </a:solidFill>
+                      <a:prstDash val="solid"/>
+                      <a:round/>
+                      <a:headEnd type="none" w="med" len="med"/>
+                      <a:tailEnd type="none" w="med" len="med"/>
+                    </a:lnT>
+                    <a:lnB w="12700" cap="flat" cmpd="sng" algn="ctr">
+                      <a:solidFill>
+                        <a:schemeClr val="tx1"/>
+                      </a:solidFill>
+                      <a:prstDash val="solid"/>
+                      <a:round/>
+                      <a:headEnd type="none" w="med" len="med"/>
+                      <a:tailEnd type="none" w="med" len="med"/>
+                    </a:lnB>
+                    <a:noFill/>
+                  </a:tcPr>
+                </a:tc>
+                <a:tc>
+                  <a:txBody>
+                    <a:bodyPr/>
+                    <a:lstStyle/>
+                    <a:p>
+                      <a:pPr algn="ctr"/>
+                      <a:r>
+                        <a:rPr lang="en-US" dirty="0"/>
+                        <a:t>_</a:t>
+                      </a:r>
+                      <a:r>
+                        <a:rPr lang="en-US" dirty="0" err="1"/>
+                        <a:t>tnse.csv</a:t>
+                      </a:r>
+                      <a:endParaRPr lang="en-US" dirty="0"/>
+                    </a:p>
+                  </a:txBody>
+                  <a:tcPr anchor="ctr">
+                    <a:lnL w="12700" cap="flat" cmpd="sng" algn="ctr">
+                      <a:solidFill>
+                        <a:schemeClr val="tx1"/>
+                      </a:solidFill>
+                      <a:prstDash val="solid"/>
+                      <a:round/>
+                      <a:headEnd type="none" w="med" len="med"/>
+                      <a:tailEnd type="none" w="med" len="med"/>
+                    </a:lnL>
+                    <a:lnR w="12700" cap="flat" cmpd="sng" algn="ctr">
+                      <a:solidFill>
+                        <a:schemeClr val="tx1"/>
+                      </a:solidFill>
+                      <a:prstDash val="solid"/>
+                      <a:round/>
+                      <a:headEnd type="none" w="med" len="med"/>
+                      <a:tailEnd type="none" w="med" len="med"/>
+                    </a:lnR>
+                    <a:lnT w="12700" cap="flat" cmpd="sng" algn="ctr">
+                      <a:solidFill>
+                        <a:schemeClr val="tx1"/>
+                      </a:solidFill>
+                      <a:prstDash val="solid"/>
+                      <a:round/>
+                      <a:headEnd type="none" w="med" len="med"/>
+                      <a:tailEnd type="none" w="med" len="med"/>
+                    </a:lnT>
+                    <a:lnB w="12700" cap="flat" cmpd="sng" algn="ctr">
+                      <a:solidFill>
+                        <a:schemeClr val="tx1"/>
+                      </a:solidFill>
+                      <a:prstDash val="solid"/>
+                      <a:round/>
+                      <a:headEnd type="none" w="med" len="med"/>
+                      <a:tailEnd type="none" w="med" len="med"/>
+                    </a:lnB>
+                    <a:noFill/>
+                  </a:tcPr>
+                </a:tc>
+                <a:extLst>
+                  <a:ext uri="{0D108BD9-81ED-4DB2-BD59-A6C34878D82A}">
+                    <a16:rowId xmlns:a16="http://schemas.microsoft.com/office/drawing/2014/main" val="3579986143"/>
+                  </a:ext>
+                </a:extLst>
+              </a:tr>
+              <a:tr h="1100254">
+                <a:tc>
+                  <a:txBody>
+                    <a:bodyPr/>
+                    <a:lstStyle/>
+                    <a:p>
+                      <a:pPr algn="ctr"/>
+                      <a:r>
+                        <a:rPr lang="en-US" dirty="0" err="1"/>
+                        <a:t>SMARTer_cells_MOp</a:t>
+                      </a:r>
+                      <a:endParaRPr lang="en-US" dirty="0"/>
+                    </a:p>
+                  </a:txBody>
+                  <a:tcPr anchor="ctr">
+                    <a:lnL w="12700" cap="flat" cmpd="sng" algn="ctr">
+                      <a:solidFill>
+                        <a:schemeClr val="tx1"/>
+                      </a:solidFill>
+                      <a:prstDash val="solid"/>
+                      <a:round/>
+                      <a:headEnd type="none" w="med" len="med"/>
+                      <a:tailEnd type="none" w="med" len="med"/>
+                    </a:lnL>
+                    <a:lnR w="12700" cap="flat" cmpd="sng" algn="ctr">
+                      <a:solidFill>
+                        <a:schemeClr val="tx1"/>
+                      </a:solidFill>
+                      <a:prstDash val="solid"/>
+                      <a:round/>
+                      <a:headEnd type="none" w="med" len="med"/>
+                      <a:tailEnd type="none" w="med" len="med"/>
+                    </a:lnR>
+                    <a:lnT w="12700" cap="flat" cmpd="sng" algn="ctr">
+                      <a:solidFill>
+                        <a:schemeClr val="tx1"/>
+                      </a:solidFill>
+                      <a:prstDash val="solid"/>
+                      <a:round/>
+                      <a:headEnd type="none" w="med" len="med"/>
+                      <a:tailEnd type="none" w="med" len="med"/>
+                    </a:lnT>
+                    <a:lnB w="12700" cap="flat" cmpd="sng" algn="ctr">
+                      <a:solidFill>
+                        <a:schemeClr val="tx1"/>
+                      </a:solidFill>
+                      <a:prstDash val="solid"/>
+                      <a:round/>
+                      <a:headEnd type="none" w="med" len="med"/>
+                      <a:tailEnd type="none" w="med" len="med"/>
+                    </a:lnB>
+                    <a:noFill/>
+                  </a:tcPr>
+                </a:tc>
+                <a:tc>
+                  <a:txBody>
+                    <a:bodyPr/>
+                    <a:lstStyle/>
+                    <a:p>
+                      <a:pPr algn="ctr"/>
+                      <a:r>
+                        <a:rPr lang="en-US" dirty="0"/>
+                        <a:t>_Seurat.csv</a:t>
+                      </a:r>
+                    </a:p>
+                    <a:p>
+                      <a:pPr algn="ctr"/>
+                      <a:r>
+                        <a:rPr lang="en-US" dirty="0"/>
+                        <a:t>_Monocle.csv</a:t>
+                      </a:r>
+                    </a:p>
+                    <a:p>
+                      <a:pPr algn="ctr"/>
+                      <a:r>
+                        <a:rPr lang="en-US" dirty="0"/>
+                        <a:t>_SC3.csv</a:t>
+                      </a:r>
+                    </a:p>
+                  </a:txBody>
+                  <a:tcPr anchor="ctr">
+                    <a:lnL w="12700" cap="flat" cmpd="sng" algn="ctr">
+                      <a:solidFill>
+                        <a:schemeClr val="tx1"/>
+                      </a:solidFill>
+                      <a:prstDash val="solid"/>
+                      <a:round/>
+                      <a:headEnd type="none" w="med" len="med"/>
+                      <a:tailEnd type="none" w="med" len="med"/>
+                    </a:lnL>
+                    <a:lnR w="12700" cap="flat" cmpd="sng" algn="ctr">
+                      <a:solidFill>
+                        <a:schemeClr val="tx1"/>
+                      </a:solidFill>
+                      <a:prstDash val="solid"/>
+                      <a:round/>
+                      <a:headEnd type="none" w="med" len="med"/>
+                      <a:tailEnd type="none" w="med" len="med"/>
+                    </a:lnR>
+                    <a:lnT w="12700" cap="flat" cmpd="sng" algn="ctr">
+                      <a:solidFill>
+                        <a:schemeClr val="tx1"/>
+                      </a:solidFill>
+                      <a:prstDash val="solid"/>
+                      <a:round/>
+                      <a:headEnd type="none" w="med" len="med"/>
+                      <a:tailEnd type="none" w="med" len="med"/>
+                    </a:lnT>
+                    <a:lnB w="12700" cap="flat" cmpd="sng" algn="ctr">
+                      <a:solidFill>
+                        <a:schemeClr val="tx1"/>
+                      </a:solidFill>
+                      <a:prstDash val="solid"/>
+                      <a:round/>
+                      <a:headEnd type="none" w="med" len="med"/>
+                      <a:tailEnd type="none" w="med" len="med"/>
+                    </a:lnB>
+                    <a:noFill/>
+                  </a:tcPr>
+                </a:tc>
+                <a:tc>
+                  <a:txBody>
+                    <a:bodyPr/>
+                    <a:lstStyle/>
+                    <a:p>
+                      <a:pPr algn="ctr"/>
+                      <a:r>
+                        <a:rPr lang="en-US" dirty="0"/>
+                        <a:t>_</a:t>
+                      </a:r>
+                      <a:r>
+                        <a:rPr lang="en-US" dirty="0" err="1"/>
+                        <a:t>Rsec.csv</a:t>
+                      </a:r>
+                      <a:endParaRPr lang="en-US" dirty="0"/>
+                    </a:p>
+                  </a:txBody>
+                  <a:tcPr anchor="ctr">
+                    <a:lnL w="12700" cap="flat" cmpd="sng" algn="ctr">
+                      <a:solidFill>
+                        <a:schemeClr val="tx1"/>
+                      </a:solidFill>
+                      <a:prstDash val="solid"/>
+                      <a:round/>
+                      <a:headEnd type="none" w="med" len="med"/>
+                      <a:tailEnd type="none" w="med" len="med"/>
+                    </a:lnL>
+                    <a:lnR w="12700" cap="flat" cmpd="sng" algn="ctr">
+                      <a:solidFill>
+                        <a:schemeClr val="tx1"/>
+                      </a:solidFill>
+                      <a:prstDash val="solid"/>
+                      <a:round/>
+                      <a:headEnd type="none" w="med" len="med"/>
+                      <a:tailEnd type="none" w="med" len="med"/>
+                    </a:lnR>
+                    <a:lnT w="12700" cap="flat" cmpd="sng" algn="ctr">
+                      <a:solidFill>
+                        <a:schemeClr val="tx1"/>
+                      </a:solidFill>
+                      <a:prstDash val="solid"/>
+                      <a:round/>
+                      <a:headEnd type="none" w="med" len="med"/>
+                      <a:tailEnd type="none" w="med" len="med"/>
+                    </a:lnT>
+                    <a:lnB w="12700" cap="flat" cmpd="sng" algn="ctr">
+                      <a:solidFill>
+                        <a:schemeClr val="tx1"/>
+                      </a:solidFill>
+                      <a:prstDash val="solid"/>
+                      <a:round/>
+                      <a:headEnd type="none" w="med" len="med"/>
+                      <a:tailEnd type="none" w="med" len="med"/>
+                    </a:lnB>
+                    <a:noFill/>
+                  </a:tcPr>
+                </a:tc>
+                <a:tc>
+                  <a:txBody>
+                    <a:bodyPr/>
+                    <a:lstStyle/>
+                    <a:p>
+                      <a:pPr algn="ctr"/>
+                      <a:r>
+                        <a:rPr lang="en-US" dirty="0"/>
+                        <a:t>_</a:t>
+                      </a:r>
+                      <a:r>
+                        <a:rPr lang="en-US" dirty="0" err="1"/>
+                        <a:t>hierarchical.csv</a:t>
+                      </a:r>
+                      <a:endParaRPr lang="en-US" dirty="0"/>
+                    </a:p>
+                    <a:p>
+                      <a:pPr algn="ctr"/>
+                      <a:r>
+                        <a:rPr lang="en-US" dirty="0"/>
+                        <a:t>_large2_hierarchical.csv</a:t>
+                      </a:r>
+                    </a:p>
+                    <a:p>
+                      <a:pPr algn="ctr"/>
+                      <a:r>
+                        <a:rPr lang="en-US" b="0" dirty="0"/>
+                        <a:t>_large2_Dune.csv</a:t>
+                      </a:r>
+                    </a:p>
+                    <a:p>
+                      <a:pPr algn="ctr"/>
+                      <a:r>
+                        <a:rPr lang="en-US" dirty="0"/>
+                        <a:t>_large3_hierarchical.csv</a:t>
+                      </a:r>
+                    </a:p>
+                    <a:p>
+                      <a:pPr algn="ctr"/>
+                      <a:r>
+                        <a:rPr lang="en-US" dirty="0"/>
+                        <a:t>_large3_Dune.csv</a:t>
+                      </a:r>
+                    </a:p>
+                  </a:txBody>
+                  <a:tcPr anchor="ctr">
+                    <a:lnL w="12700" cap="flat" cmpd="sng" algn="ctr">
+                      <a:solidFill>
+                        <a:schemeClr val="tx1"/>
+                      </a:solidFill>
+                      <a:prstDash val="solid"/>
+                      <a:round/>
+                      <a:headEnd type="none" w="med" len="med"/>
+                      <a:tailEnd type="none" w="med" len="med"/>
+                    </a:lnL>
+                    <a:lnR w="12700" cap="flat" cmpd="sng" algn="ctr">
+                      <a:solidFill>
+                        <a:schemeClr val="tx1"/>
+                      </a:solidFill>
+                      <a:prstDash val="solid"/>
+                      <a:round/>
+                      <a:headEnd type="none" w="med" len="med"/>
+                      <a:tailEnd type="none" w="med" len="med"/>
+                    </a:lnR>
+                    <a:lnT w="12700" cap="flat" cmpd="sng" algn="ctr">
+                      <a:solidFill>
+                        <a:schemeClr val="tx1"/>
+                      </a:solidFill>
+                      <a:prstDash val="solid"/>
+                      <a:round/>
+                      <a:headEnd type="none" w="med" len="med"/>
+                      <a:tailEnd type="none" w="med" len="med"/>
+                    </a:lnT>
+                    <a:lnB w="12700" cap="flat" cmpd="sng" algn="ctr">
+                      <a:solidFill>
+                        <a:schemeClr val="tx1"/>
+                      </a:solidFill>
+                      <a:prstDash val="solid"/>
+                      <a:round/>
+                      <a:headEnd type="none" w="med" len="med"/>
+                      <a:tailEnd type="none" w="med" len="med"/>
+                    </a:lnB>
+                    <a:noFill/>
+                  </a:tcPr>
+                </a:tc>
+                <a:tc>
+                  <a:txBody>
+                    <a:bodyPr/>
+                    <a:lstStyle/>
+                    <a:p>
+                      <a:pPr algn="ctr"/>
+                      <a:r>
+                        <a:rPr lang="en-US" dirty="0"/>
+                        <a:t>.csv</a:t>
+                      </a:r>
+                    </a:p>
+                  </a:txBody>
+                  <a:tcPr anchor="ctr">
+                    <a:lnL w="12700" cap="flat" cmpd="sng" algn="ctr">
+                      <a:solidFill>
+                        <a:schemeClr val="tx1"/>
+                      </a:solidFill>
+                      <a:prstDash val="solid"/>
+                      <a:round/>
+                      <a:headEnd type="none" w="med" len="med"/>
+                      <a:tailEnd type="none" w="med" len="med"/>
+                    </a:lnL>
+                    <a:lnR w="12700" cap="flat" cmpd="sng" algn="ctr">
+                      <a:solidFill>
+                        <a:schemeClr val="tx1"/>
+                      </a:solidFill>
+                      <a:prstDash val="solid"/>
+                      <a:round/>
+                      <a:headEnd type="none" w="med" len="med"/>
+                      <a:tailEnd type="none" w="med" len="med"/>
+                    </a:lnR>
+                    <a:lnT w="12700" cap="flat" cmpd="sng" algn="ctr">
+                      <a:solidFill>
+                        <a:schemeClr val="tx1"/>
+                      </a:solidFill>
+                      <a:prstDash val="solid"/>
+                      <a:round/>
+                      <a:headEnd type="none" w="med" len="med"/>
+                      <a:tailEnd type="none" w="med" len="med"/>
+                    </a:lnT>
+                    <a:lnB w="12700" cap="flat" cmpd="sng" algn="ctr">
+                      <a:solidFill>
+                        <a:schemeClr val="tx1"/>
+                      </a:solidFill>
+                      <a:prstDash val="solid"/>
+                      <a:round/>
+                      <a:headEnd type="none" w="med" len="med"/>
+                      <a:tailEnd type="none" w="med" len="med"/>
+                    </a:lnB>
+                    <a:noFill/>
+                  </a:tcPr>
+                </a:tc>
+                <a:tc>
+                  <a:txBody>
+                    <a:bodyPr/>
+                    <a:lstStyle/>
+                    <a:p>
+                      <a:pPr algn="ctr"/>
+                      <a:r>
+                        <a:rPr lang="en-US" dirty="0"/>
+                        <a:t>_</a:t>
+                      </a:r>
+                      <a:r>
+                        <a:rPr lang="en-US" dirty="0" err="1"/>
+                        <a:t>tnse.csv</a:t>
+                      </a:r>
+                      <a:endParaRPr lang="en-US" dirty="0"/>
+                    </a:p>
+                  </a:txBody>
+                  <a:tcPr anchor="ctr">
+                    <a:lnL w="12700" cap="flat" cmpd="sng" algn="ctr">
+                      <a:solidFill>
+                        <a:schemeClr val="tx1"/>
+                      </a:solidFill>
+                      <a:prstDash val="solid"/>
+                      <a:round/>
+                      <a:headEnd type="none" w="med" len="med"/>
+                      <a:tailEnd type="none" w="med" len="med"/>
+                    </a:lnL>
+                    <a:lnR w="12700" cap="flat" cmpd="sng" algn="ctr">
+                      <a:solidFill>
+                        <a:schemeClr val="tx1"/>
+                      </a:solidFill>
+                      <a:prstDash val="solid"/>
+                      <a:round/>
+                      <a:headEnd type="none" w="med" len="med"/>
+                      <a:tailEnd type="none" w="med" len="med"/>
+                    </a:lnR>
+                    <a:lnT w="12700" cap="flat" cmpd="sng" algn="ctr">
+                      <a:solidFill>
+                        <a:schemeClr val="tx1"/>
+                      </a:solidFill>
+                      <a:prstDash val="solid"/>
+                      <a:round/>
+                      <a:headEnd type="none" w="med" len="med"/>
+                      <a:tailEnd type="none" w="med" len="med"/>
+                    </a:lnT>
+                    <a:lnB w="12700" cap="flat" cmpd="sng" algn="ctr">
+                      <a:solidFill>
+                        <a:schemeClr val="tx1"/>
+                      </a:solidFill>
+                      <a:prstDash val="solid"/>
+                      <a:round/>
+                      <a:headEnd type="none" w="med" len="med"/>
+                      <a:tailEnd type="none" w="med" len="med"/>
+                    </a:lnB>
+                    <a:noFill/>
+                  </a:tcPr>
+                </a:tc>
+                <a:extLst>
+                  <a:ext uri="{0D108BD9-81ED-4DB2-BD59-A6C34878D82A}">
+                    <a16:rowId xmlns:a16="http://schemas.microsoft.com/office/drawing/2014/main" val="1519047333"/>
+                  </a:ext>
+                </a:extLst>
+              </a:tr>
+              <a:tr h="1100254">
+                <a:tc>
+                  <a:txBody>
+                    <a:bodyPr/>
+                    <a:lstStyle/>
+                    <a:p>
+                      <a:pPr marL="0" marR="0" lvl="0" indent="0" algn="ctr" defTabSz="914400" rtl="0" eaLnBrk="1" fontAlgn="auto" latinLnBrk="0" hangingPunct="1">
+                        <a:lnSpc>
+                          <a:spcPct val="100000"/>
+                        </a:lnSpc>
+                        <a:spcBef>
+                          <a:spcPts val="0"/>
+                        </a:spcBef>
+                        <a:spcAft>
+                          <a:spcPts val="0"/>
+                        </a:spcAft>
+                        <a:buClrTx/>
+                        <a:buSzTx/>
+                        <a:buFontTx/>
+                        <a:buNone/>
+                        <a:tabLst/>
+                        <a:defRPr/>
+                      </a:pPr>
+                      <a:r>
+                        <a:rPr lang="en-US" dirty="0" err="1"/>
+                        <a:t>SMARTer_nuclei_MOp</a:t>
+                      </a:r>
+                      <a:endParaRPr lang="en-US" dirty="0"/>
+                    </a:p>
+                  </a:txBody>
+                  <a:tcPr anchor="ctr">
+                    <a:lnL w="12700" cap="flat" cmpd="sng" algn="ctr">
+                      <a:solidFill>
+                        <a:schemeClr val="tx1"/>
+                      </a:solidFill>
+                      <a:prstDash val="solid"/>
+                      <a:round/>
+                      <a:headEnd type="none" w="med" len="med"/>
+                      <a:tailEnd type="none" w="med" len="med"/>
+                    </a:lnL>
+                    <a:lnR w="12700" cap="flat" cmpd="sng" algn="ctr">
+                      <a:solidFill>
+                        <a:schemeClr val="tx1"/>
+                      </a:solidFill>
+                      <a:prstDash val="solid"/>
+                      <a:round/>
+                      <a:headEnd type="none" w="med" len="med"/>
+                      <a:tailEnd type="none" w="med" len="med"/>
+                    </a:lnR>
+                    <a:lnT w="12700" cap="flat" cmpd="sng" algn="ctr">
+                      <a:solidFill>
+                        <a:schemeClr val="tx1"/>
+                      </a:solidFill>
+                      <a:prstDash val="solid"/>
+                      <a:round/>
+                      <a:headEnd type="none" w="med" len="med"/>
+                      <a:tailEnd type="none" w="med" len="med"/>
+                    </a:lnT>
+                    <a:lnB w="12700" cap="flat" cmpd="sng" algn="ctr">
+                      <a:solidFill>
+                        <a:schemeClr val="tx1"/>
+                      </a:solidFill>
+                      <a:prstDash val="solid"/>
+                      <a:round/>
+                      <a:headEnd type="none" w="med" len="med"/>
+                      <a:tailEnd type="none" w="med" len="med"/>
+                    </a:lnB>
+                    <a:noFill/>
+                  </a:tcPr>
+                </a:tc>
+                <a:tc>
+                  <a:txBody>
+                    <a:bodyPr/>
+                    <a:lstStyle/>
+                    <a:p>
+                      <a:pPr algn="ctr"/>
+                      <a:r>
+                        <a:rPr lang="en-US" dirty="0"/>
+                        <a:t>_Seurat.csv</a:t>
+                      </a:r>
+                    </a:p>
+                    <a:p>
+                      <a:pPr algn="ctr"/>
+                      <a:r>
+                        <a:rPr lang="en-US" dirty="0"/>
+                        <a:t>_Monocle.csv</a:t>
+                      </a:r>
+                    </a:p>
+                    <a:p>
+                      <a:pPr algn="ctr"/>
+                      <a:r>
+                        <a:rPr lang="en-US" dirty="0"/>
+                        <a:t>_SC3.csv</a:t>
+                      </a:r>
+                    </a:p>
+                  </a:txBody>
+                  <a:tcPr anchor="ctr">
+                    <a:lnL w="12700" cap="flat" cmpd="sng" algn="ctr">
+                      <a:solidFill>
+                        <a:schemeClr val="tx1"/>
+                      </a:solidFill>
+                      <a:prstDash val="solid"/>
+                      <a:round/>
+                      <a:headEnd type="none" w="med" len="med"/>
+                      <a:tailEnd type="none" w="med" len="med"/>
+                    </a:lnL>
+                    <a:lnR w="12700" cap="flat" cmpd="sng" algn="ctr">
+                      <a:solidFill>
+                        <a:schemeClr val="tx1"/>
+                      </a:solidFill>
+                      <a:prstDash val="solid"/>
+                      <a:round/>
+                      <a:headEnd type="none" w="med" len="med"/>
+                      <a:tailEnd type="none" w="med" len="med"/>
+                    </a:lnR>
+                    <a:lnT w="12700" cap="flat" cmpd="sng" algn="ctr">
+                      <a:solidFill>
+                        <a:schemeClr val="tx1"/>
+                      </a:solidFill>
+                      <a:prstDash val="solid"/>
+                      <a:round/>
+                      <a:headEnd type="none" w="med" len="med"/>
+                      <a:tailEnd type="none" w="med" len="med"/>
+                    </a:lnT>
+                    <a:lnB w="12700" cap="flat" cmpd="sng" algn="ctr">
+                      <a:solidFill>
+                        <a:schemeClr val="tx1"/>
+                      </a:solidFill>
+                      <a:prstDash val="solid"/>
+                      <a:round/>
+                      <a:headEnd type="none" w="med" len="med"/>
+                      <a:tailEnd type="none" w="med" len="med"/>
+                    </a:lnB>
+                    <a:noFill/>
+                  </a:tcPr>
+                </a:tc>
+                <a:tc>
+                  <a:txBody>
+                    <a:bodyPr/>
+                    <a:lstStyle/>
+                    <a:p>
+                      <a:pPr algn="ctr"/>
+                      <a:r>
+                        <a:rPr lang="en-US" dirty="0"/>
+                        <a:t>_</a:t>
+                      </a:r>
+                      <a:r>
+                        <a:rPr lang="en-US" dirty="0" err="1"/>
+                        <a:t>Rsec.csv</a:t>
+                      </a:r>
+                      <a:endParaRPr lang="en-US" dirty="0"/>
+                    </a:p>
+                  </a:txBody>
+                  <a:tcPr anchor="ctr">
+                    <a:lnL w="12700" cap="flat" cmpd="sng" algn="ctr">
+                      <a:solidFill>
+                        <a:schemeClr val="tx1"/>
+                      </a:solidFill>
+                      <a:prstDash val="solid"/>
+                      <a:round/>
+                      <a:headEnd type="none" w="med" len="med"/>
+                      <a:tailEnd type="none" w="med" len="med"/>
+                    </a:lnL>
+                    <a:lnR w="12700" cap="flat" cmpd="sng" algn="ctr">
+                      <a:solidFill>
+                        <a:schemeClr val="tx1"/>
+                      </a:solidFill>
+                      <a:prstDash val="solid"/>
+                      <a:round/>
+                      <a:headEnd type="none" w="med" len="med"/>
+                      <a:tailEnd type="none" w="med" len="med"/>
+                    </a:lnR>
+                    <a:lnT w="12700" cap="flat" cmpd="sng" algn="ctr">
+                      <a:solidFill>
+                        <a:schemeClr val="tx1"/>
+                      </a:solidFill>
+                      <a:prstDash val="solid"/>
+                      <a:round/>
+                      <a:headEnd type="none" w="med" len="med"/>
+                      <a:tailEnd type="none" w="med" len="med"/>
+                    </a:lnT>
+                    <a:lnB w="12700" cap="flat" cmpd="sng" algn="ctr">
+                      <a:solidFill>
+                        <a:schemeClr val="tx1"/>
+                      </a:solidFill>
+                      <a:prstDash val="solid"/>
+                      <a:round/>
+                      <a:headEnd type="none" w="med" len="med"/>
+                      <a:tailEnd type="none" w="med" len="med"/>
+                    </a:lnB>
+                    <a:noFill/>
+                  </a:tcPr>
+                </a:tc>
+                <a:tc>
+                  <a:txBody>
+                    <a:bodyPr/>
+                    <a:lstStyle/>
+                    <a:p>
+                      <a:pPr algn="ctr"/>
+                      <a:r>
+                        <a:rPr lang="en-US" dirty="0"/>
+                        <a:t>_</a:t>
+                      </a:r>
+                      <a:r>
+                        <a:rPr lang="en-US" dirty="0" err="1"/>
+                        <a:t>hierarchical.csv</a:t>
+                      </a:r>
+                      <a:endParaRPr lang="en-US" dirty="0"/>
+                    </a:p>
+                    <a:p>
+                      <a:pPr algn="ctr"/>
+                      <a:r>
+                        <a:rPr lang="en-US" dirty="0"/>
+                        <a:t>_large2_hierarchical.csv</a:t>
+                      </a:r>
+                    </a:p>
+                    <a:p>
+                      <a:pPr algn="ctr"/>
+                      <a:r>
+                        <a:rPr lang="en-US" b="0" dirty="0"/>
+                        <a:t>_large2_Dune.csv</a:t>
+                      </a:r>
+                    </a:p>
+                    <a:p>
+                      <a:pPr algn="ctr"/>
+                      <a:r>
+                        <a:rPr lang="en-US" dirty="0"/>
+                        <a:t>_large3_hierarchical.csv</a:t>
+                      </a:r>
+                    </a:p>
+                    <a:p>
+                      <a:pPr algn="ctr"/>
+                      <a:r>
+                        <a:rPr lang="en-US" dirty="0"/>
+                        <a:t>_large3_Dune.csv</a:t>
+                      </a:r>
+                    </a:p>
+                  </a:txBody>
+                  <a:tcPr anchor="ctr">
+                    <a:lnL w="12700" cap="flat" cmpd="sng" algn="ctr">
+                      <a:solidFill>
+                        <a:schemeClr val="tx1"/>
+                      </a:solidFill>
+                      <a:prstDash val="solid"/>
+                      <a:round/>
+                      <a:headEnd type="none" w="med" len="med"/>
+                      <a:tailEnd type="none" w="med" len="med"/>
+                    </a:lnL>
+                    <a:lnR w="12700" cap="flat" cmpd="sng" algn="ctr">
+                      <a:solidFill>
+                        <a:schemeClr val="tx1"/>
+                      </a:solidFill>
+                      <a:prstDash val="solid"/>
+                      <a:round/>
+                      <a:headEnd type="none" w="med" len="med"/>
+                      <a:tailEnd type="none" w="med" len="med"/>
+                    </a:lnR>
+                    <a:lnT w="12700" cap="flat" cmpd="sng" algn="ctr">
+                      <a:solidFill>
+                        <a:schemeClr val="tx1"/>
+                      </a:solidFill>
+                      <a:prstDash val="solid"/>
+                      <a:round/>
+                      <a:headEnd type="none" w="med" len="med"/>
+                      <a:tailEnd type="none" w="med" len="med"/>
+                    </a:lnT>
+                    <a:lnB w="12700" cap="flat" cmpd="sng" algn="ctr">
+                      <a:solidFill>
+                        <a:schemeClr val="tx1"/>
+                      </a:solidFill>
+                      <a:prstDash val="solid"/>
+                      <a:round/>
+                      <a:headEnd type="none" w="med" len="med"/>
+                      <a:tailEnd type="none" w="med" len="med"/>
+                    </a:lnB>
+                    <a:noFill/>
+                  </a:tcPr>
+                </a:tc>
+                <a:tc>
+                  <a:txBody>
+                    <a:bodyPr/>
+                    <a:lstStyle/>
+                    <a:p>
+                      <a:pPr algn="ctr"/>
+                      <a:r>
+                        <a:rPr lang="en-US" dirty="0"/>
+                        <a:t>.csv</a:t>
+                      </a:r>
+                    </a:p>
+                  </a:txBody>
+                  <a:tcPr anchor="ctr">
+                    <a:lnL w="12700" cap="flat" cmpd="sng" algn="ctr">
+                      <a:solidFill>
+                        <a:schemeClr val="tx1"/>
+                      </a:solidFill>
+                      <a:prstDash val="solid"/>
+                      <a:round/>
+                      <a:headEnd type="none" w="med" len="med"/>
+                      <a:tailEnd type="none" w="med" len="med"/>
+                    </a:lnL>
+                    <a:lnR w="12700" cap="flat" cmpd="sng" algn="ctr">
+                      <a:solidFill>
+                        <a:schemeClr val="tx1"/>
+                      </a:solidFill>
+                      <a:prstDash val="solid"/>
+                      <a:round/>
+                      <a:headEnd type="none" w="med" len="med"/>
+                      <a:tailEnd type="none" w="med" len="med"/>
+                    </a:lnR>
+                    <a:lnT w="12700" cap="flat" cmpd="sng" algn="ctr">
+                      <a:solidFill>
+                        <a:schemeClr val="tx1"/>
+                      </a:solidFill>
+                      <a:prstDash val="solid"/>
+                      <a:round/>
+                      <a:headEnd type="none" w="med" len="med"/>
+                      <a:tailEnd type="none" w="med" len="med"/>
+                    </a:lnT>
+                    <a:lnB w="12700" cap="flat" cmpd="sng" algn="ctr">
+                      <a:solidFill>
+                        <a:schemeClr val="tx1"/>
+                      </a:solidFill>
+                      <a:prstDash val="solid"/>
+                      <a:round/>
+                      <a:headEnd type="none" w="med" len="med"/>
+                      <a:tailEnd type="none" w="med" len="med"/>
+                    </a:lnB>
+                    <a:noFill/>
+                  </a:tcPr>
+                </a:tc>
+                <a:tc>
+                  <a:txBody>
+                    <a:bodyPr/>
+                    <a:lstStyle/>
+                    <a:p>
+                      <a:pPr algn="ctr"/>
+                      <a:r>
+                        <a:rPr lang="en-US" dirty="0"/>
+                        <a:t>_</a:t>
+                      </a:r>
+                      <a:r>
+                        <a:rPr lang="en-US" dirty="0" err="1"/>
+                        <a:t>tnse.csv</a:t>
+                      </a:r>
+                      <a:endParaRPr lang="en-US" dirty="0"/>
+                    </a:p>
+                  </a:txBody>
+                  <a:tcPr anchor="ctr">
+                    <a:lnL w="12700" cap="flat" cmpd="sng" algn="ctr">
+                      <a:solidFill>
+                        <a:schemeClr val="tx1"/>
+                      </a:solidFill>
+                      <a:prstDash val="solid"/>
+                      <a:round/>
+                      <a:headEnd type="none" w="med" len="med"/>
+                      <a:tailEnd type="none" w="med" len="med"/>
+                    </a:lnL>
+                    <a:lnR w="12700" cap="flat" cmpd="sng" algn="ctr">
+                      <a:solidFill>
+                        <a:schemeClr val="tx1"/>
+                      </a:solidFill>
+                      <a:prstDash val="solid"/>
+                      <a:round/>
+                      <a:headEnd type="none" w="med" len="med"/>
+                      <a:tailEnd type="none" w="med" len="med"/>
+                    </a:lnR>
+                    <a:lnT w="12700" cap="flat" cmpd="sng" algn="ctr">
+                      <a:solidFill>
+                        <a:schemeClr val="tx1"/>
+                      </a:solidFill>
+                      <a:prstDash val="solid"/>
+                      <a:round/>
+                      <a:headEnd type="none" w="med" len="med"/>
+                      <a:tailEnd type="none" w="med" len="med"/>
+                    </a:lnT>
+                    <a:lnB w="12700" cap="flat" cmpd="sng" algn="ctr">
+                      <a:solidFill>
+                        <a:schemeClr val="tx1"/>
+                      </a:solidFill>
+                      <a:prstDash val="solid"/>
+                      <a:round/>
+                      <a:headEnd type="none" w="med" len="med"/>
+                      <a:tailEnd type="none" w="med" len="med"/>
+                    </a:lnB>
+                    <a:noFill/>
+                  </a:tcPr>
+                </a:tc>
+                <a:extLst>
+                  <a:ext uri="{0D108BD9-81ED-4DB2-BD59-A6C34878D82A}">
+                    <a16:rowId xmlns:a16="http://schemas.microsoft.com/office/drawing/2014/main" val="229623635"/>
+                  </a:ext>
+                </a:extLst>
+              </a:tr>
+            </a:tbl>
+          </a:graphicData>
+        </a:graphic>
+      </p:graphicFrame>
+    </p:spTree>
+    <p:extLst>
+      <p:ext uri="{BB962C8B-B14F-4D97-AF65-F5344CB8AC3E}">
+        <p14:creationId xmlns:p14="http://schemas.microsoft.com/office/powerpoint/2010/main" val="214206035"/>
+      </p:ext>
+    </p:extLst>
+  </p:cSld>
+  <p:clrMapOvr>
+    <a:masterClrMapping/>
+  </p:clrMapOvr>
+</p:sld>
+</file>
+
 <file path=ppt/theme/theme1.xml><?xml version="1.0" encoding="utf-8"?>
 <a:theme xmlns:a="http://schemas.openxmlformats.org/drawingml/2006/main" name="Office Theme">
   <a:themeElements>

--- a/Figures/workflow/workflow.pptx
+++ b/Figures/workflow/workflow.pptx
@@ -8,6 +8,7 @@
     <p:sldId id="256" r:id="rId2"/>
     <p:sldId id="257" r:id="rId3"/>
     <p:sldId id="258" r:id="rId4"/>
+    <p:sldId id="259" r:id="rId5"/>
   </p:sldIdLst>
   <p:sldSz cx="12192000" cy="6858000"/>
   <p:notesSz cx="6858000" cy="9144000"/>
@@ -6710,6 +6711,1563 @@
 </p:sld>
 </file>
 
+<file path=ppt/slides/slide4.xml><?xml version="1.0" encoding="utf-8"?>
+<p:sld xmlns:a="http://schemas.openxmlformats.org/drawingml/2006/main" xmlns:r="http://schemas.openxmlformats.org/officeDocument/2006/relationships" xmlns:p="http://schemas.openxmlformats.org/presentationml/2006/main">
+  <p:cSld>
+    <p:spTree>
+      <p:nvGrpSpPr>
+        <p:cNvPr id="1" name=""/>
+        <p:cNvGrpSpPr/>
+        <p:nvPr/>
+      </p:nvGrpSpPr>
+      <p:grpSpPr>
+        <a:xfrm>
+          <a:off x="0" y="0"/>
+          <a:ext cx="0" cy="0"/>
+          <a:chOff x="0" y="0"/>
+          <a:chExt cx="0" cy="0"/>
+        </a:xfrm>
+      </p:grpSpPr>
+      <p:graphicFrame>
+        <p:nvGraphicFramePr>
+          <p:cNvPr id="4" name="Table 3">
+            <a:extLst>
+              <a:ext uri="{FF2B5EF4-FFF2-40B4-BE49-F238E27FC236}">
+                <a16:creationId xmlns:a16="http://schemas.microsoft.com/office/drawing/2014/main" id="{E3715673-1102-F047-8BA1-4040F29B7D24}"/>
+              </a:ext>
+            </a:extLst>
+          </p:cNvPr>
+          <p:cNvGraphicFramePr>
+            <a:graphicFrameLocks noGrp="1"/>
+          </p:cNvGraphicFramePr>
+          <p:nvPr>
+            <p:extLst>
+              <p:ext uri="{D42A27DB-BD31-4B8C-83A1-F6EECF244321}">
+                <p14:modId xmlns:p14="http://schemas.microsoft.com/office/powerpoint/2010/main" val="3127347183"/>
+              </p:ext>
+            </p:extLst>
+          </p:nvPr>
+        </p:nvGraphicFramePr>
+        <p:xfrm>
+          <a:off x="390144" y="280416"/>
+          <a:ext cx="7720113" cy="6118304"/>
+        </p:xfrm>
+        <a:graphic>
+          <a:graphicData uri="http://schemas.openxmlformats.org/drawingml/2006/table">
+            <a:tbl>
+              <a:tblPr firstRow="1" firstCol="1" bandCol="1">
+                <a:tableStyleId>{9D7B26C5-4107-4FEC-AEDC-1716B250A1EF}</a:tableStyleId>
+              </a:tblPr>
+              <a:tblGrid>
+                <a:gridCol w="2427030">
+                  <a:extLst>
+                    <a:ext uri="{9D8B030D-6E8A-4147-A177-3AD203B41FA5}">
+                      <a16:colId xmlns:a16="http://schemas.microsoft.com/office/drawing/2014/main" val="1215327015"/>
+                    </a:ext>
+                  </a:extLst>
+                </a:gridCol>
+                <a:gridCol w="2104286">
+                  <a:extLst>
+                    <a:ext uri="{9D8B030D-6E8A-4147-A177-3AD203B41FA5}">
+                      <a16:colId xmlns:a16="http://schemas.microsoft.com/office/drawing/2014/main" val="238954983"/>
+                    </a:ext>
+                  </a:extLst>
+                </a:gridCol>
+                <a:gridCol w="2471123">
+                  <a:extLst>
+                    <a:ext uri="{9D8B030D-6E8A-4147-A177-3AD203B41FA5}">
+                      <a16:colId xmlns:a16="http://schemas.microsoft.com/office/drawing/2014/main" val="2513379545"/>
+                    </a:ext>
+                  </a:extLst>
+                </a:gridCol>
+                <a:gridCol w="717674">
+                  <a:extLst>
+                    <a:ext uri="{9D8B030D-6E8A-4147-A177-3AD203B41FA5}">
+                      <a16:colId xmlns:a16="http://schemas.microsoft.com/office/drawing/2014/main" val="2303852026"/>
+                    </a:ext>
+                  </a:extLst>
+                </a:gridCol>
+              </a:tblGrid>
+              <a:tr h="770178">
+                <a:tc>
+                  <a:txBody>
+                    <a:bodyPr/>
+                    <a:lstStyle/>
+                    <a:p>
+                      <a:pPr algn="ctr"/>
+                      <a:r>
+                        <a:rPr lang="en-US" dirty="0"/>
+                        <a:t>Comparisons</a:t>
+                      </a:r>
+                    </a:p>
+                  </a:txBody>
+                  <a:tcPr anchor="ctr">
+                    <a:lnL w="12700" cap="flat" cmpd="sng" algn="ctr">
+                      <a:solidFill>
+                        <a:schemeClr val="tx1"/>
+                      </a:solidFill>
+                      <a:prstDash val="solid"/>
+                      <a:round/>
+                      <a:headEnd type="none" w="med" len="med"/>
+                      <a:tailEnd type="none" w="med" len="med"/>
+                    </a:lnL>
+                    <a:lnR w="12700" cap="flat" cmpd="sng" algn="ctr">
+                      <a:solidFill>
+                        <a:schemeClr val="tx1"/>
+                      </a:solidFill>
+                      <a:prstDash val="solid"/>
+                      <a:round/>
+                      <a:headEnd type="none" w="med" len="med"/>
+                      <a:tailEnd type="none" w="med" len="med"/>
+                    </a:lnR>
+                    <a:lnT w="12700" cap="flat" cmpd="sng" algn="ctr">
+                      <a:solidFill>
+                        <a:schemeClr val="tx1"/>
+                      </a:solidFill>
+                      <a:prstDash val="solid"/>
+                      <a:round/>
+                      <a:headEnd type="none" w="med" len="med"/>
+                      <a:tailEnd type="none" w="med" len="med"/>
+                    </a:lnT>
+                    <a:lnB w="12700" cap="flat" cmpd="sng" algn="ctr">
+                      <a:solidFill>
+                        <a:schemeClr val="tx1"/>
+                      </a:solidFill>
+                      <a:prstDash val="solid"/>
+                      <a:round/>
+                      <a:headEnd type="none" w="med" len="med"/>
+                      <a:tailEnd type="none" w="med" len="med"/>
+                    </a:lnB>
+                    <a:noFill/>
+                  </a:tcPr>
+                </a:tc>
+                <a:tc>
+                  <a:txBody>
+                    <a:bodyPr/>
+                    <a:lstStyle/>
+                    <a:p>
+                      <a:pPr algn="ctr"/>
+                      <a:r>
+                        <a:rPr lang="en-US" dirty="0" err="1"/>
+                        <a:t>singleMethod</a:t>
+                      </a:r>
+                      <a:endParaRPr lang="en-US" dirty="0"/>
+                    </a:p>
+                    <a:p>
+                      <a:pPr algn="ctr"/>
+                      <a:r>
+                        <a:rPr lang="en-US" dirty="0"/>
+                        <a:t>(many parameters)</a:t>
+                      </a:r>
+                    </a:p>
+                  </a:txBody>
+                  <a:tcPr anchor="ctr">
+                    <a:lnL w="12700" cap="flat" cmpd="sng" algn="ctr">
+                      <a:solidFill>
+                        <a:schemeClr val="tx1"/>
+                      </a:solidFill>
+                      <a:prstDash val="solid"/>
+                      <a:round/>
+                      <a:headEnd type="none" w="med" len="med"/>
+                      <a:tailEnd type="none" w="med" len="med"/>
+                    </a:lnL>
+                    <a:lnR w="12700" cap="flat" cmpd="sng" algn="ctr">
+                      <a:solidFill>
+                        <a:schemeClr val="tx1"/>
+                      </a:solidFill>
+                      <a:prstDash val="solid"/>
+                      <a:round/>
+                      <a:headEnd type="none" w="med" len="med"/>
+                      <a:tailEnd type="none" w="med" len="med"/>
+                    </a:lnR>
+                    <a:lnT w="12700" cap="flat" cmpd="sng" algn="ctr">
+                      <a:solidFill>
+                        <a:schemeClr val="tx1"/>
+                      </a:solidFill>
+                      <a:prstDash val="solid"/>
+                      <a:round/>
+                      <a:headEnd type="none" w="med" len="med"/>
+                      <a:tailEnd type="none" w="med" len="med"/>
+                    </a:lnT>
+                    <a:lnB w="12700" cap="flat" cmpd="sng" algn="ctr">
+                      <a:solidFill>
+                        <a:schemeClr val="tx1"/>
+                      </a:solidFill>
+                      <a:prstDash val="solid"/>
+                      <a:round/>
+                      <a:headEnd type="none" w="med" len="med"/>
+                      <a:tailEnd type="none" w="med" len="med"/>
+                    </a:lnB>
+                    <a:noFill/>
+                  </a:tcPr>
+                </a:tc>
+                <a:tc>
+                  <a:txBody>
+                    <a:bodyPr/>
+                    <a:lstStyle/>
+                    <a:p>
+                      <a:pPr marL="0" marR="0" lvl="0" indent="0" algn="ctr" defTabSz="914400" rtl="0" eaLnBrk="1" fontAlgn="auto" latinLnBrk="0" hangingPunct="1">
+                        <a:lnSpc>
+                          <a:spcPct val="100000"/>
+                        </a:lnSpc>
+                        <a:spcBef>
+                          <a:spcPts val="0"/>
+                        </a:spcBef>
+                        <a:spcAft>
+                          <a:spcPts val="0"/>
+                        </a:spcAft>
+                        <a:buClrTx/>
+                        <a:buSzTx/>
+                        <a:buFontTx/>
+                        <a:buNone/>
+                        <a:tabLst/>
+                        <a:defRPr/>
+                      </a:pPr>
+                      <a:r>
+                        <a:rPr lang="en-US" dirty="0" err="1"/>
+                        <a:t>singleTree</a:t>
+                      </a:r>
+                      <a:endParaRPr lang="en-US" dirty="0"/>
+                    </a:p>
+                  </a:txBody>
+                  <a:tcPr anchor="ctr">
+                    <a:lnL w="12700" cap="flat" cmpd="sng" algn="ctr">
+                      <a:solidFill>
+                        <a:schemeClr val="tx1"/>
+                      </a:solidFill>
+                      <a:prstDash val="solid"/>
+                      <a:round/>
+                      <a:headEnd type="none" w="med" len="med"/>
+                      <a:tailEnd type="none" w="med" len="med"/>
+                    </a:lnL>
+                    <a:lnR w="12700" cap="flat" cmpd="sng" algn="ctr">
+                      <a:solidFill>
+                        <a:schemeClr val="tx1"/>
+                      </a:solidFill>
+                      <a:prstDash val="solid"/>
+                      <a:round/>
+                      <a:headEnd type="none" w="med" len="med"/>
+                      <a:tailEnd type="none" w="med" len="med"/>
+                    </a:lnR>
+                    <a:lnT w="12700" cap="flat" cmpd="sng" algn="ctr">
+                      <a:solidFill>
+                        <a:schemeClr val="tx1"/>
+                      </a:solidFill>
+                      <a:prstDash val="solid"/>
+                      <a:round/>
+                      <a:headEnd type="none" w="med" len="med"/>
+                      <a:tailEnd type="none" w="med" len="med"/>
+                    </a:lnT>
+                    <a:lnB w="12700" cap="flat" cmpd="sng" algn="ctr">
+                      <a:solidFill>
+                        <a:schemeClr val="tx1"/>
+                      </a:solidFill>
+                      <a:prstDash val="solid"/>
+                      <a:round/>
+                      <a:headEnd type="none" w="med" len="med"/>
+                      <a:tailEnd type="none" w="med" len="med"/>
+                    </a:lnB>
+                    <a:noFill/>
+                  </a:tcPr>
+                </a:tc>
+                <a:tc>
+                  <a:txBody>
+                    <a:bodyPr/>
+                    <a:lstStyle/>
+                    <a:p>
+                      <a:pPr algn="ctr"/>
+                      <a:r>
+                        <a:rPr lang="en-US" dirty="0"/>
+                        <a:t>Dune</a:t>
+                      </a:r>
+                    </a:p>
+                  </a:txBody>
+                  <a:tcPr anchor="ctr">
+                    <a:lnL w="12700" cap="flat" cmpd="sng" algn="ctr">
+                      <a:solidFill>
+                        <a:schemeClr val="tx1"/>
+                      </a:solidFill>
+                      <a:prstDash val="solid"/>
+                      <a:round/>
+                      <a:headEnd type="none" w="med" len="med"/>
+                      <a:tailEnd type="none" w="med" len="med"/>
+                    </a:lnL>
+                    <a:lnR w="12700" cap="flat" cmpd="sng" algn="ctr">
+                      <a:solidFill>
+                        <a:schemeClr val="tx1"/>
+                      </a:solidFill>
+                      <a:prstDash val="solid"/>
+                      <a:round/>
+                      <a:headEnd type="none" w="med" len="med"/>
+                      <a:tailEnd type="none" w="med" len="med"/>
+                    </a:lnR>
+                    <a:lnT w="12700" cap="flat" cmpd="sng" algn="ctr">
+                      <a:solidFill>
+                        <a:schemeClr val="tx1"/>
+                      </a:solidFill>
+                      <a:prstDash val="solid"/>
+                      <a:round/>
+                      <a:headEnd type="none" w="med" len="med"/>
+                      <a:tailEnd type="none" w="med" len="med"/>
+                    </a:lnT>
+                    <a:lnB w="12700" cap="flat" cmpd="sng" algn="ctr">
+                      <a:solidFill>
+                        <a:schemeClr val="tx1"/>
+                      </a:solidFill>
+                      <a:prstDash val="solid"/>
+                      <a:round/>
+                      <a:headEnd type="none" w="med" len="med"/>
+                      <a:tailEnd type="none" w="med" len="med"/>
+                    </a:lnB>
+                    <a:noFill/>
+                  </a:tcPr>
+                </a:tc>
+                <a:extLst>
+                  <a:ext uri="{0D108BD9-81ED-4DB2-BD59-A6C34878D82A}">
+                    <a16:rowId xmlns:a16="http://schemas.microsoft.com/office/drawing/2014/main" val="3946590031"/>
+                  </a:ext>
+                </a:extLst>
+              </a:tr>
+              <a:tr h="770178">
+                <a:tc>
+                  <a:txBody>
+                    <a:bodyPr/>
+                    <a:lstStyle/>
+                    <a:p>
+                      <a:pPr algn="ctr"/>
+                      <a:r>
+                        <a:rPr lang="en-US" dirty="0"/>
+                        <a:t>10x</a:t>
+                      </a:r>
+                    </a:p>
+                  </a:txBody>
+                  <a:tcPr anchor="ctr">
+                    <a:lnL w="12700" cap="flat" cmpd="sng" algn="ctr">
+                      <a:solidFill>
+                        <a:schemeClr val="tx1"/>
+                      </a:solidFill>
+                      <a:prstDash val="solid"/>
+                      <a:round/>
+                      <a:headEnd type="none" w="med" len="med"/>
+                      <a:tailEnd type="none" w="med" len="med"/>
+                    </a:lnL>
+                    <a:lnR w="12700" cap="flat" cmpd="sng" algn="ctr">
+                      <a:solidFill>
+                        <a:schemeClr val="tx1"/>
+                      </a:solidFill>
+                      <a:prstDash val="solid"/>
+                      <a:round/>
+                      <a:headEnd type="none" w="med" len="med"/>
+                      <a:tailEnd type="none" w="med" len="med"/>
+                    </a:lnR>
+                    <a:lnT w="12700" cap="flat" cmpd="sng" algn="ctr">
+                      <a:solidFill>
+                        <a:schemeClr val="tx1"/>
+                      </a:solidFill>
+                      <a:prstDash val="solid"/>
+                      <a:round/>
+                      <a:headEnd type="none" w="med" len="med"/>
+                      <a:tailEnd type="none" w="med" len="med"/>
+                    </a:lnT>
+                    <a:lnB w="12700" cap="flat" cmpd="sng" algn="ctr">
+                      <a:solidFill>
+                        <a:schemeClr val="tx1"/>
+                      </a:solidFill>
+                      <a:prstDash val="solid"/>
+                      <a:round/>
+                      <a:headEnd type="none" w="med" len="med"/>
+                      <a:tailEnd type="none" w="med" len="med"/>
+                    </a:lnB>
+                    <a:noFill/>
+                  </a:tcPr>
+                </a:tc>
+                <a:tc>
+                  <a:txBody>
+                    <a:bodyPr/>
+                    <a:lstStyle/>
+                    <a:p>
+                      <a:pPr algn="ctr"/>
+                      <a:r>
+                        <a:rPr lang="en-US" dirty="0"/>
+                        <a:t>Seurat</a:t>
+                      </a:r>
+                    </a:p>
+                    <a:p>
+                      <a:pPr algn="ctr"/>
+                      <a:r>
+                        <a:rPr lang="en-US" dirty="0"/>
+                        <a:t>Monocle</a:t>
+                      </a:r>
+                    </a:p>
+                  </a:txBody>
+                  <a:tcPr anchor="ctr">
+                    <a:lnL w="12700" cap="flat" cmpd="sng" algn="ctr">
+                      <a:solidFill>
+                        <a:schemeClr val="tx1"/>
+                      </a:solidFill>
+                      <a:prstDash val="solid"/>
+                      <a:round/>
+                      <a:headEnd type="none" w="med" len="med"/>
+                      <a:tailEnd type="none" w="med" len="med"/>
+                    </a:lnL>
+                    <a:lnR w="12700" cap="flat" cmpd="sng" algn="ctr">
+                      <a:solidFill>
+                        <a:schemeClr val="tx1"/>
+                      </a:solidFill>
+                      <a:prstDash val="solid"/>
+                      <a:round/>
+                      <a:headEnd type="none" w="med" len="med"/>
+                      <a:tailEnd type="none" w="med" len="med"/>
+                    </a:lnR>
+                    <a:lnT w="12700" cap="flat" cmpd="sng" algn="ctr">
+                      <a:solidFill>
+                        <a:schemeClr val="tx1"/>
+                      </a:solidFill>
+                      <a:prstDash val="solid"/>
+                      <a:round/>
+                      <a:headEnd type="none" w="med" len="med"/>
+                      <a:tailEnd type="none" w="med" len="med"/>
+                    </a:lnT>
+                    <a:lnB w="12700" cap="flat" cmpd="sng" algn="ctr">
+                      <a:solidFill>
+                        <a:schemeClr val="tx1"/>
+                      </a:solidFill>
+                      <a:prstDash val="solid"/>
+                      <a:round/>
+                      <a:headEnd type="none" w="med" len="med"/>
+                      <a:tailEnd type="none" w="med" len="med"/>
+                    </a:lnB>
+                    <a:noFill/>
+                  </a:tcPr>
+                </a:tc>
+                <a:tc>
+                  <a:txBody>
+                    <a:bodyPr/>
+                    <a:lstStyle/>
+                    <a:p>
+                      <a:pPr algn="ctr"/>
+                      <a:r>
+                        <a:rPr lang="en-US" dirty="0"/>
+                        <a:t>/</a:t>
+                      </a:r>
+                    </a:p>
+                  </a:txBody>
+                  <a:tcPr anchor="ctr">
+                    <a:lnL w="12700" cap="flat" cmpd="sng" algn="ctr">
+                      <a:solidFill>
+                        <a:schemeClr val="tx1"/>
+                      </a:solidFill>
+                      <a:prstDash val="solid"/>
+                      <a:round/>
+                      <a:headEnd type="none" w="med" len="med"/>
+                      <a:tailEnd type="none" w="med" len="med"/>
+                    </a:lnL>
+                    <a:lnR w="12700" cap="flat" cmpd="sng" algn="ctr">
+                      <a:solidFill>
+                        <a:schemeClr val="tx1"/>
+                      </a:solidFill>
+                      <a:prstDash val="solid"/>
+                      <a:round/>
+                      <a:headEnd type="none" w="med" len="med"/>
+                      <a:tailEnd type="none" w="med" len="med"/>
+                    </a:lnR>
+                    <a:lnT w="12700" cap="flat" cmpd="sng" algn="ctr">
+                      <a:solidFill>
+                        <a:schemeClr val="tx1"/>
+                      </a:solidFill>
+                      <a:prstDash val="solid"/>
+                      <a:round/>
+                      <a:headEnd type="none" w="med" len="med"/>
+                      <a:tailEnd type="none" w="med" len="med"/>
+                    </a:lnT>
+                    <a:lnB w="12700" cap="flat" cmpd="sng" algn="ctr">
+                      <a:solidFill>
+                        <a:schemeClr val="tx1"/>
+                      </a:solidFill>
+                      <a:prstDash val="solid"/>
+                      <a:round/>
+                      <a:headEnd type="none" w="med" len="med"/>
+                      <a:tailEnd type="none" w="med" len="med"/>
+                    </a:lnB>
+                    <a:noFill/>
+                  </a:tcPr>
+                </a:tc>
+                <a:tc>
+                  <a:txBody>
+                    <a:bodyPr/>
+                    <a:lstStyle/>
+                    <a:p>
+                      <a:pPr algn="ctr"/>
+                      <a:r>
+                        <a:rPr lang="en-US" dirty="0"/>
+                        <a:t>.csv</a:t>
+                      </a:r>
+                    </a:p>
+                  </a:txBody>
+                  <a:tcPr anchor="ctr">
+                    <a:lnL w="12700" cap="flat" cmpd="sng" algn="ctr">
+                      <a:solidFill>
+                        <a:schemeClr val="tx1"/>
+                      </a:solidFill>
+                      <a:prstDash val="solid"/>
+                      <a:round/>
+                      <a:headEnd type="none" w="med" len="med"/>
+                      <a:tailEnd type="none" w="med" len="med"/>
+                    </a:lnL>
+                    <a:lnR w="12700" cap="flat" cmpd="sng" algn="ctr">
+                      <a:solidFill>
+                        <a:schemeClr val="tx1"/>
+                      </a:solidFill>
+                      <a:prstDash val="solid"/>
+                      <a:round/>
+                      <a:headEnd type="none" w="med" len="med"/>
+                      <a:tailEnd type="none" w="med" len="med"/>
+                    </a:lnR>
+                    <a:lnT w="12700" cap="flat" cmpd="sng" algn="ctr">
+                      <a:solidFill>
+                        <a:schemeClr val="tx1"/>
+                      </a:solidFill>
+                      <a:prstDash val="solid"/>
+                      <a:round/>
+                      <a:headEnd type="none" w="med" len="med"/>
+                      <a:tailEnd type="none" w="med" len="med"/>
+                    </a:lnT>
+                    <a:lnB w="12700" cap="flat" cmpd="sng" algn="ctr">
+                      <a:solidFill>
+                        <a:schemeClr val="tx1"/>
+                      </a:solidFill>
+                      <a:prstDash val="solid"/>
+                      <a:round/>
+                      <a:headEnd type="none" w="med" len="med"/>
+                      <a:tailEnd type="none" w="med" len="med"/>
+                    </a:lnB>
+                    <a:noFill/>
+                  </a:tcPr>
+                </a:tc>
+                <a:extLst>
+                  <a:ext uri="{0D108BD9-81ED-4DB2-BD59-A6C34878D82A}">
+                    <a16:rowId xmlns:a16="http://schemas.microsoft.com/office/drawing/2014/main" val="1704193524"/>
+                  </a:ext>
+                </a:extLst>
+              </a:tr>
+              <a:tr h="770178">
+                <a:tc>
+                  <a:txBody>
+                    <a:bodyPr/>
+                    <a:lstStyle/>
+                    <a:p>
+                      <a:pPr marL="0" marR="0" lvl="0" indent="0" algn="ctr" defTabSz="914400" rtl="0" eaLnBrk="1" fontAlgn="auto" latinLnBrk="0" hangingPunct="1">
+                        <a:lnSpc>
+                          <a:spcPct val="100000"/>
+                        </a:lnSpc>
+                        <a:spcBef>
+                          <a:spcPts val="0"/>
+                        </a:spcBef>
+                        <a:spcAft>
+                          <a:spcPts val="0"/>
+                        </a:spcAft>
+                        <a:buClrTx/>
+                        <a:buSzTx/>
+                        <a:buFontTx/>
+                        <a:buNone/>
+                        <a:tabLst/>
+                        <a:defRPr/>
+                      </a:pPr>
+                      <a:r>
+                        <a:rPr lang="en-US" dirty="0"/>
+                        <a:t>smart</a:t>
+                      </a:r>
+                    </a:p>
+                  </a:txBody>
+                  <a:tcPr anchor="ctr">
+                    <a:lnL w="12700" cap="flat" cmpd="sng" algn="ctr">
+                      <a:solidFill>
+                        <a:schemeClr val="tx1"/>
+                      </a:solidFill>
+                      <a:prstDash val="solid"/>
+                      <a:round/>
+                      <a:headEnd type="none" w="med" len="med"/>
+                      <a:tailEnd type="none" w="med" len="med"/>
+                    </a:lnL>
+                    <a:lnR w="12700" cap="flat" cmpd="sng" algn="ctr">
+                      <a:solidFill>
+                        <a:schemeClr val="tx1"/>
+                      </a:solidFill>
+                      <a:prstDash val="solid"/>
+                      <a:round/>
+                      <a:headEnd type="none" w="med" len="med"/>
+                      <a:tailEnd type="none" w="med" len="med"/>
+                    </a:lnR>
+                    <a:lnT w="12700" cap="flat" cmpd="sng" algn="ctr">
+                      <a:solidFill>
+                        <a:schemeClr val="tx1"/>
+                      </a:solidFill>
+                      <a:prstDash val="solid"/>
+                      <a:round/>
+                      <a:headEnd type="none" w="med" len="med"/>
+                      <a:tailEnd type="none" w="med" len="med"/>
+                    </a:lnT>
+                    <a:lnB w="12700" cap="flat" cmpd="sng" algn="ctr">
+                      <a:solidFill>
+                        <a:schemeClr val="tx1"/>
+                      </a:solidFill>
+                      <a:prstDash val="solid"/>
+                      <a:round/>
+                      <a:headEnd type="none" w="med" len="med"/>
+                      <a:tailEnd type="none" w="med" len="med"/>
+                    </a:lnB>
+                    <a:noFill/>
+                  </a:tcPr>
+                </a:tc>
+                <a:tc>
+                  <a:txBody>
+                    <a:bodyPr/>
+                    <a:lstStyle/>
+                    <a:p>
+                      <a:pPr algn="ctr"/>
+                      <a:r>
+                        <a:rPr lang="en-US" dirty="0"/>
+                        <a:t>_Seurat</a:t>
+                      </a:r>
+                    </a:p>
+                    <a:p>
+                      <a:pPr algn="ctr"/>
+                      <a:r>
+                        <a:rPr lang="en-US" dirty="0"/>
+                        <a:t>Monocle</a:t>
+                      </a:r>
+                    </a:p>
+                    <a:p>
+                      <a:pPr algn="ctr"/>
+                      <a:r>
+                        <a:rPr lang="en-US" dirty="0"/>
+                        <a:t>SC3</a:t>
+                      </a:r>
+                    </a:p>
+                  </a:txBody>
+                  <a:tcPr anchor="ctr">
+                    <a:lnL w="12700" cap="flat" cmpd="sng" algn="ctr">
+                      <a:solidFill>
+                        <a:schemeClr val="tx1"/>
+                      </a:solidFill>
+                      <a:prstDash val="solid"/>
+                      <a:round/>
+                      <a:headEnd type="none" w="med" len="med"/>
+                      <a:tailEnd type="none" w="med" len="med"/>
+                    </a:lnL>
+                    <a:lnR w="12700" cap="flat" cmpd="sng" algn="ctr">
+                      <a:solidFill>
+                        <a:schemeClr val="tx1"/>
+                      </a:solidFill>
+                      <a:prstDash val="solid"/>
+                      <a:round/>
+                      <a:headEnd type="none" w="med" len="med"/>
+                      <a:tailEnd type="none" w="med" len="med"/>
+                    </a:lnR>
+                    <a:lnT w="12700" cap="flat" cmpd="sng" algn="ctr">
+                      <a:solidFill>
+                        <a:schemeClr val="tx1"/>
+                      </a:solidFill>
+                      <a:prstDash val="solid"/>
+                      <a:round/>
+                      <a:headEnd type="none" w="med" len="med"/>
+                      <a:tailEnd type="none" w="med" len="med"/>
+                    </a:lnT>
+                    <a:lnB w="12700" cap="flat" cmpd="sng" algn="ctr">
+                      <a:solidFill>
+                        <a:schemeClr val="tx1"/>
+                      </a:solidFill>
+                      <a:prstDash val="solid"/>
+                      <a:round/>
+                      <a:headEnd type="none" w="med" len="med"/>
+                      <a:tailEnd type="none" w="med" len="med"/>
+                    </a:lnB>
+                    <a:noFill/>
+                  </a:tcPr>
+                </a:tc>
+                <a:tc>
+                  <a:txBody>
+                    <a:bodyPr/>
+                    <a:lstStyle/>
+                    <a:p>
+                      <a:pPr algn="ctr"/>
+                      <a:r>
+                        <a:rPr lang="en-US" dirty="0"/>
+                        <a:t>/</a:t>
+                      </a:r>
+                    </a:p>
+                  </a:txBody>
+                  <a:tcPr anchor="ctr">
+                    <a:lnL w="12700" cap="flat" cmpd="sng" algn="ctr">
+                      <a:solidFill>
+                        <a:schemeClr val="tx1"/>
+                      </a:solidFill>
+                      <a:prstDash val="solid"/>
+                      <a:round/>
+                      <a:headEnd type="none" w="med" len="med"/>
+                      <a:tailEnd type="none" w="med" len="med"/>
+                    </a:lnL>
+                    <a:lnR w="12700" cap="flat" cmpd="sng" algn="ctr">
+                      <a:solidFill>
+                        <a:schemeClr val="tx1"/>
+                      </a:solidFill>
+                      <a:prstDash val="solid"/>
+                      <a:round/>
+                      <a:headEnd type="none" w="med" len="med"/>
+                      <a:tailEnd type="none" w="med" len="med"/>
+                    </a:lnR>
+                    <a:lnT w="12700" cap="flat" cmpd="sng" algn="ctr">
+                      <a:solidFill>
+                        <a:schemeClr val="tx1"/>
+                      </a:solidFill>
+                      <a:prstDash val="solid"/>
+                      <a:round/>
+                      <a:headEnd type="none" w="med" len="med"/>
+                      <a:tailEnd type="none" w="med" len="med"/>
+                    </a:lnT>
+                    <a:lnB w="12700" cap="flat" cmpd="sng" algn="ctr">
+                      <a:solidFill>
+                        <a:schemeClr val="tx1"/>
+                      </a:solidFill>
+                      <a:prstDash val="solid"/>
+                      <a:round/>
+                      <a:headEnd type="none" w="med" len="med"/>
+                      <a:tailEnd type="none" w="med" len="med"/>
+                    </a:lnB>
+                    <a:noFill/>
+                  </a:tcPr>
+                </a:tc>
+                <a:tc>
+                  <a:txBody>
+                    <a:bodyPr/>
+                    <a:lstStyle/>
+                    <a:p>
+                      <a:pPr algn="ctr"/>
+                      <a:r>
+                        <a:rPr lang="en-US" dirty="0"/>
+                        <a:t>.csv</a:t>
+                      </a:r>
+                    </a:p>
+                  </a:txBody>
+                  <a:tcPr anchor="ctr">
+                    <a:lnL w="12700" cap="flat" cmpd="sng" algn="ctr">
+                      <a:solidFill>
+                        <a:schemeClr val="tx1"/>
+                      </a:solidFill>
+                      <a:prstDash val="solid"/>
+                      <a:round/>
+                      <a:headEnd type="none" w="med" len="med"/>
+                      <a:tailEnd type="none" w="med" len="med"/>
+                    </a:lnL>
+                    <a:lnR w="12700" cap="flat" cmpd="sng" algn="ctr">
+                      <a:solidFill>
+                        <a:schemeClr val="tx1"/>
+                      </a:solidFill>
+                      <a:prstDash val="solid"/>
+                      <a:round/>
+                      <a:headEnd type="none" w="med" len="med"/>
+                      <a:tailEnd type="none" w="med" len="med"/>
+                    </a:lnR>
+                    <a:lnT w="12700" cap="flat" cmpd="sng" algn="ctr">
+                      <a:solidFill>
+                        <a:schemeClr val="tx1"/>
+                      </a:solidFill>
+                      <a:prstDash val="solid"/>
+                      <a:round/>
+                      <a:headEnd type="none" w="med" len="med"/>
+                      <a:tailEnd type="none" w="med" len="med"/>
+                    </a:lnT>
+                    <a:lnB w="12700" cap="flat" cmpd="sng" algn="ctr">
+                      <a:solidFill>
+                        <a:schemeClr val="tx1"/>
+                      </a:solidFill>
+                      <a:prstDash val="solid"/>
+                      <a:round/>
+                      <a:headEnd type="none" w="med" len="med"/>
+                      <a:tailEnd type="none" w="med" len="med"/>
+                    </a:lnB>
+                    <a:noFill/>
+                  </a:tcPr>
+                </a:tc>
+                <a:extLst>
+                  <a:ext uri="{0D108BD9-81ED-4DB2-BD59-A6C34878D82A}">
+                    <a16:rowId xmlns:a16="http://schemas.microsoft.com/office/drawing/2014/main" val="3579986143"/>
+                  </a:ext>
+                </a:extLst>
+              </a:tr>
+              <a:tr h="1100254">
+                <a:tc>
+                  <a:txBody>
+                    <a:bodyPr/>
+                    <a:lstStyle/>
+                    <a:p>
+                      <a:pPr algn="ctr"/>
+                      <a:r>
+                        <a:rPr lang="en-US" dirty="0"/>
+                        <a:t>cells</a:t>
+                      </a:r>
+                    </a:p>
+                  </a:txBody>
+                  <a:tcPr anchor="ctr">
+                    <a:lnL w="12700" cap="flat" cmpd="sng" algn="ctr">
+                      <a:solidFill>
+                        <a:schemeClr val="tx1"/>
+                      </a:solidFill>
+                      <a:prstDash val="solid"/>
+                      <a:round/>
+                      <a:headEnd type="none" w="med" len="med"/>
+                      <a:tailEnd type="none" w="med" len="med"/>
+                    </a:lnL>
+                    <a:lnR w="12700" cap="flat" cmpd="sng" algn="ctr">
+                      <a:solidFill>
+                        <a:schemeClr val="tx1"/>
+                      </a:solidFill>
+                      <a:prstDash val="solid"/>
+                      <a:round/>
+                      <a:headEnd type="none" w="med" len="med"/>
+                      <a:tailEnd type="none" w="med" len="med"/>
+                    </a:lnR>
+                    <a:lnT w="12700" cap="flat" cmpd="sng" algn="ctr">
+                      <a:solidFill>
+                        <a:schemeClr val="tx1"/>
+                      </a:solidFill>
+                      <a:prstDash val="solid"/>
+                      <a:round/>
+                      <a:headEnd type="none" w="med" len="med"/>
+                      <a:tailEnd type="none" w="med" len="med"/>
+                    </a:lnT>
+                    <a:lnB w="12700" cap="flat" cmpd="sng" algn="ctr">
+                      <a:solidFill>
+                        <a:schemeClr val="tx1"/>
+                      </a:solidFill>
+                      <a:prstDash val="solid"/>
+                      <a:round/>
+                      <a:headEnd type="none" w="med" len="med"/>
+                      <a:tailEnd type="none" w="med" len="med"/>
+                    </a:lnB>
+                    <a:noFill/>
+                  </a:tcPr>
+                </a:tc>
+                <a:tc>
+                  <a:txBody>
+                    <a:bodyPr/>
+                    <a:lstStyle/>
+                    <a:p>
+                      <a:pPr algn="ctr"/>
+                      <a:r>
+                        <a:rPr lang="en-US" dirty="0"/>
+                        <a:t>Seurat</a:t>
+                      </a:r>
+                    </a:p>
+                    <a:p>
+                      <a:pPr algn="ctr"/>
+                      <a:r>
+                        <a:rPr lang="en-US" dirty="0"/>
+                        <a:t>Monocle</a:t>
+                      </a:r>
+                    </a:p>
+                  </a:txBody>
+                  <a:tcPr anchor="ctr">
+                    <a:lnL w="12700" cap="flat" cmpd="sng" algn="ctr">
+                      <a:solidFill>
+                        <a:schemeClr val="tx1"/>
+                      </a:solidFill>
+                      <a:prstDash val="solid"/>
+                      <a:round/>
+                      <a:headEnd type="none" w="med" len="med"/>
+                      <a:tailEnd type="none" w="med" len="med"/>
+                    </a:lnL>
+                    <a:lnR w="12700" cap="flat" cmpd="sng" algn="ctr">
+                      <a:solidFill>
+                        <a:schemeClr val="tx1"/>
+                      </a:solidFill>
+                      <a:prstDash val="solid"/>
+                      <a:round/>
+                      <a:headEnd type="none" w="med" len="med"/>
+                      <a:tailEnd type="none" w="med" len="med"/>
+                    </a:lnR>
+                    <a:lnT w="12700" cap="flat" cmpd="sng" algn="ctr">
+                      <a:solidFill>
+                        <a:schemeClr val="tx1"/>
+                      </a:solidFill>
+                      <a:prstDash val="solid"/>
+                      <a:round/>
+                      <a:headEnd type="none" w="med" len="med"/>
+                      <a:tailEnd type="none" w="med" len="med"/>
+                    </a:lnT>
+                    <a:lnB w="12700" cap="flat" cmpd="sng" algn="ctr">
+                      <a:solidFill>
+                        <a:schemeClr val="tx1"/>
+                      </a:solidFill>
+                      <a:prstDash val="solid"/>
+                      <a:round/>
+                      <a:headEnd type="none" w="med" len="med"/>
+                      <a:tailEnd type="none" w="med" len="med"/>
+                    </a:lnB>
+                    <a:noFill/>
+                  </a:tcPr>
+                </a:tc>
+                <a:tc>
+                  <a:txBody>
+                    <a:bodyPr/>
+                    <a:lstStyle/>
+                    <a:p>
+                      <a:pPr algn="ctr"/>
+                      <a:r>
+                        <a:rPr lang="en-US" dirty="0"/>
+                        <a:t>_hierarchical</a:t>
+                      </a:r>
+                    </a:p>
+                    <a:p>
+                      <a:pPr algn="ctr"/>
+                      <a:r>
+                        <a:rPr lang="en-US" dirty="0"/>
+                        <a:t>large2_hierarchical</a:t>
+                      </a:r>
+                    </a:p>
+                    <a:p>
+                      <a:pPr algn="ctr"/>
+                      <a:r>
+                        <a:rPr lang="en-US" b="0" dirty="0"/>
+                        <a:t>_large2_Dune</a:t>
+                      </a:r>
+                    </a:p>
+                    <a:p>
+                      <a:pPr algn="ctr"/>
+                      <a:r>
+                        <a:rPr lang="en-US" dirty="0"/>
+                        <a:t>large3_hierarchical.csv</a:t>
+                      </a:r>
+                    </a:p>
+                    <a:p>
+                      <a:pPr algn="ctr"/>
+                      <a:r>
+                        <a:rPr lang="en-US" dirty="0"/>
+                        <a:t>large3_Dune</a:t>
+                      </a:r>
+                    </a:p>
+                  </a:txBody>
+                  <a:tcPr anchor="ctr">
+                    <a:lnL w="12700" cap="flat" cmpd="sng" algn="ctr">
+                      <a:solidFill>
+                        <a:schemeClr val="tx1"/>
+                      </a:solidFill>
+                      <a:prstDash val="solid"/>
+                      <a:round/>
+                      <a:headEnd type="none" w="med" len="med"/>
+                      <a:tailEnd type="none" w="med" len="med"/>
+                    </a:lnL>
+                    <a:lnR w="12700" cap="flat" cmpd="sng" algn="ctr">
+                      <a:solidFill>
+                        <a:schemeClr val="tx1"/>
+                      </a:solidFill>
+                      <a:prstDash val="solid"/>
+                      <a:round/>
+                      <a:headEnd type="none" w="med" len="med"/>
+                      <a:tailEnd type="none" w="med" len="med"/>
+                    </a:lnR>
+                    <a:lnT w="12700" cap="flat" cmpd="sng" algn="ctr">
+                      <a:solidFill>
+                        <a:schemeClr val="tx1"/>
+                      </a:solidFill>
+                      <a:prstDash val="solid"/>
+                      <a:round/>
+                      <a:headEnd type="none" w="med" len="med"/>
+                      <a:tailEnd type="none" w="med" len="med"/>
+                    </a:lnT>
+                    <a:lnB w="12700" cap="flat" cmpd="sng" algn="ctr">
+                      <a:solidFill>
+                        <a:schemeClr val="tx1"/>
+                      </a:solidFill>
+                      <a:prstDash val="solid"/>
+                      <a:round/>
+                      <a:headEnd type="none" w="med" len="med"/>
+                      <a:tailEnd type="none" w="med" len="med"/>
+                    </a:lnB>
+                    <a:noFill/>
+                  </a:tcPr>
+                </a:tc>
+                <a:tc>
+                  <a:txBody>
+                    <a:bodyPr/>
+                    <a:lstStyle/>
+                    <a:p>
+                      <a:pPr algn="ctr"/>
+                      <a:r>
+                        <a:rPr lang="en-US" dirty="0"/>
+                        <a:t>.csv</a:t>
+                      </a:r>
+                    </a:p>
+                  </a:txBody>
+                  <a:tcPr anchor="ctr">
+                    <a:lnL w="12700" cap="flat" cmpd="sng" algn="ctr">
+                      <a:solidFill>
+                        <a:schemeClr val="tx1"/>
+                      </a:solidFill>
+                      <a:prstDash val="solid"/>
+                      <a:round/>
+                      <a:headEnd type="none" w="med" len="med"/>
+                      <a:tailEnd type="none" w="med" len="med"/>
+                    </a:lnL>
+                    <a:lnR w="12700" cap="flat" cmpd="sng" algn="ctr">
+                      <a:solidFill>
+                        <a:schemeClr val="tx1"/>
+                      </a:solidFill>
+                      <a:prstDash val="solid"/>
+                      <a:round/>
+                      <a:headEnd type="none" w="med" len="med"/>
+                      <a:tailEnd type="none" w="med" len="med"/>
+                    </a:lnR>
+                    <a:lnT w="12700" cap="flat" cmpd="sng" algn="ctr">
+                      <a:solidFill>
+                        <a:schemeClr val="tx1"/>
+                      </a:solidFill>
+                      <a:prstDash val="solid"/>
+                      <a:round/>
+                      <a:headEnd type="none" w="med" len="med"/>
+                      <a:tailEnd type="none" w="med" len="med"/>
+                    </a:lnT>
+                    <a:lnB w="12700" cap="flat" cmpd="sng" algn="ctr">
+                      <a:solidFill>
+                        <a:schemeClr val="tx1"/>
+                      </a:solidFill>
+                      <a:prstDash val="solid"/>
+                      <a:round/>
+                      <a:headEnd type="none" w="med" len="med"/>
+                      <a:tailEnd type="none" w="med" len="med"/>
+                    </a:lnB>
+                    <a:noFill/>
+                  </a:tcPr>
+                </a:tc>
+                <a:extLst>
+                  <a:ext uri="{0D108BD9-81ED-4DB2-BD59-A6C34878D82A}">
+                    <a16:rowId xmlns:a16="http://schemas.microsoft.com/office/drawing/2014/main" val="1519047333"/>
+                  </a:ext>
+                </a:extLst>
+              </a:tr>
+              <a:tr h="1100254">
+                <a:tc>
+                  <a:txBody>
+                    <a:bodyPr/>
+                    <a:lstStyle/>
+                    <a:p>
+                      <a:pPr marL="0" marR="0" lvl="0" indent="0" algn="ctr" defTabSz="914400" rtl="0" eaLnBrk="1" fontAlgn="auto" latinLnBrk="0" hangingPunct="1">
+                        <a:lnSpc>
+                          <a:spcPct val="100000"/>
+                        </a:lnSpc>
+                        <a:spcBef>
+                          <a:spcPts val="0"/>
+                        </a:spcBef>
+                        <a:spcAft>
+                          <a:spcPts val="0"/>
+                        </a:spcAft>
+                        <a:buClrTx/>
+                        <a:buSzTx/>
+                        <a:buFontTx/>
+                        <a:buNone/>
+                        <a:tabLst/>
+                        <a:defRPr/>
+                      </a:pPr>
+                      <a:r>
+                        <a:rPr lang="en-US" dirty="0"/>
+                        <a:t>nuclei</a:t>
+                      </a:r>
+                    </a:p>
+                  </a:txBody>
+                  <a:tcPr anchor="ctr">
+                    <a:lnL w="12700" cap="flat" cmpd="sng" algn="ctr">
+                      <a:solidFill>
+                        <a:schemeClr val="tx1"/>
+                      </a:solidFill>
+                      <a:prstDash val="solid"/>
+                      <a:round/>
+                      <a:headEnd type="none" w="med" len="med"/>
+                      <a:tailEnd type="none" w="med" len="med"/>
+                    </a:lnL>
+                    <a:lnR w="12700" cap="flat" cmpd="sng" algn="ctr">
+                      <a:solidFill>
+                        <a:schemeClr val="tx1"/>
+                      </a:solidFill>
+                      <a:prstDash val="solid"/>
+                      <a:round/>
+                      <a:headEnd type="none" w="med" len="med"/>
+                      <a:tailEnd type="none" w="med" len="med"/>
+                    </a:lnR>
+                    <a:lnT w="12700" cap="flat" cmpd="sng" algn="ctr">
+                      <a:solidFill>
+                        <a:schemeClr val="tx1"/>
+                      </a:solidFill>
+                      <a:prstDash val="solid"/>
+                      <a:round/>
+                      <a:headEnd type="none" w="med" len="med"/>
+                      <a:tailEnd type="none" w="med" len="med"/>
+                    </a:lnT>
+                    <a:lnB w="12700" cap="flat" cmpd="sng" algn="ctr">
+                      <a:solidFill>
+                        <a:schemeClr val="tx1"/>
+                      </a:solidFill>
+                      <a:prstDash val="solid"/>
+                      <a:round/>
+                      <a:headEnd type="none" w="med" len="med"/>
+                      <a:tailEnd type="none" w="med" len="med"/>
+                    </a:lnB>
+                    <a:noFill/>
+                  </a:tcPr>
+                </a:tc>
+                <a:tc>
+                  <a:txBody>
+                    <a:bodyPr/>
+                    <a:lstStyle/>
+                    <a:p>
+                      <a:pPr algn="ctr"/>
+                      <a:r>
+                        <a:rPr lang="en-US" dirty="0"/>
+                        <a:t>Seurat</a:t>
+                      </a:r>
+                    </a:p>
+                    <a:p>
+                      <a:pPr algn="ctr"/>
+                      <a:r>
+                        <a:rPr lang="en-US" dirty="0"/>
+                        <a:t>Monocle</a:t>
+                      </a:r>
+                    </a:p>
+                  </a:txBody>
+                  <a:tcPr anchor="ctr">
+                    <a:lnL w="12700" cap="flat" cmpd="sng" algn="ctr">
+                      <a:solidFill>
+                        <a:schemeClr val="tx1"/>
+                      </a:solidFill>
+                      <a:prstDash val="solid"/>
+                      <a:round/>
+                      <a:headEnd type="none" w="med" len="med"/>
+                      <a:tailEnd type="none" w="med" len="med"/>
+                    </a:lnL>
+                    <a:lnR w="12700" cap="flat" cmpd="sng" algn="ctr">
+                      <a:solidFill>
+                        <a:schemeClr val="tx1"/>
+                      </a:solidFill>
+                      <a:prstDash val="solid"/>
+                      <a:round/>
+                      <a:headEnd type="none" w="med" len="med"/>
+                      <a:tailEnd type="none" w="med" len="med"/>
+                    </a:lnR>
+                    <a:lnT w="12700" cap="flat" cmpd="sng" algn="ctr">
+                      <a:solidFill>
+                        <a:schemeClr val="tx1"/>
+                      </a:solidFill>
+                      <a:prstDash val="solid"/>
+                      <a:round/>
+                      <a:headEnd type="none" w="med" len="med"/>
+                      <a:tailEnd type="none" w="med" len="med"/>
+                    </a:lnT>
+                    <a:lnB w="12700" cap="flat" cmpd="sng" algn="ctr">
+                      <a:solidFill>
+                        <a:schemeClr val="tx1"/>
+                      </a:solidFill>
+                      <a:prstDash val="solid"/>
+                      <a:round/>
+                      <a:headEnd type="none" w="med" len="med"/>
+                      <a:tailEnd type="none" w="med" len="med"/>
+                    </a:lnB>
+                    <a:noFill/>
+                  </a:tcPr>
+                </a:tc>
+                <a:tc>
+                  <a:txBody>
+                    <a:bodyPr/>
+                    <a:lstStyle/>
+                    <a:p>
+                      <a:pPr algn="ctr"/>
+                      <a:r>
+                        <a:rPr lang="en-US" dirty="0"/>
+                        <a:t>/</a:t>
+                      </a:r>
+                    </a:p>
+                  </a:txBody>
+                  <a:tcPr anchor="ctr">
+                    <a:lnL w="12700" cap="flat" cmpd="sng" algn="ctr">
+                      <a:solidFill>
+                        <a:schemeClr val="tx1"/>
+                      </a:solidFill>
+                      <a:prstDash val="solid"/>
+                      <a:round/>
+                      <a:headEnd type="none" w="med" len="med"/>
+                      <a:tailEnd type="none" w="med" len="med"/>
+                    </a:lnL>
+                    <a:lnR w="12700" cap="flat" cmpd="sng" algn="ctr">
+                      <a:solidFill>
+                        <a:schemeClr val="tx1"/>
+                      </a:solidFill>
+                      <a:prstDash val="solid"/>
+                      <a:round/>
+                      <a:headEnd type="none" w="med" len="med"/>
+                      <a:tailEnd type="none" w="med" len="med"/>
+                    </a:lnR>
+                    <a:lnT w="12700" cap="flat" cmpd="sng" algn="ctr">
+                      <a:solidFill>
+                        <a:schemeClr val="tx1"/>
+                      </a:solidFill>
+                      <a:prstDash val="solid"/>
+                      <a:round/>
+                      <a:headEnd type="none" w="med" len="med"/>
+                      <a:tailEnd type="none" w="med" len="med"/>
+                    </a:lnT>
+                    <a:lnB w="12700" cap="flat" cmpd="sng" algn="ctr">
+                      <a:solidFill>
+                        <a:schemeClr val="tx1"/>
+                      </a:solidFill>
+                      <a:prstDash val="solid"/>
+                      <a:round/>
+                      <a:headEnd type="none" w="med" len="med"/>
+                      <a:tailEnd type="none" w="med" len="med"/>
+                    </a:lnB>
+                    <a:noFill/>
+                  </a:tcPr>
+                </a:tc>
+                <a:tc>
+                  <a:txBody>
+                    <a:bodyPr/>
+                    <a:lstStyle/>
+                    <a:p>
+                      <a:pPr algn="ctr"/>
+                      <a:r>
+                        <a:rPr lang="en-US" dirty="0"/>
+                        <a:t>.csv</a:t>
+                      </a:r>
+                    </a:p>
+                  </a:txBody>
+                  <a:tcPr anchor="ctr">
+                    <a:lnL w="12700" cap="flat" cmpd="sng" algn="ctr">
+                      <a:solidFill>
+                        <a:schemeClr val="tx1"/>
+                      </a:solidFill>
+                      <a:prstDash val="solid"/>
+                      <a:round/>
+                      <a:headEnd type="none" w="med" len="med"/>
+                      <a:tailEnd type="none" w="med" len="med"/>
+                    </a:lnL>
+                    <a:lnR w="12700" cap="flat" cmpd="sng" algn="ctr">
+                      <a:solidFill>
+                        <a:schemeClr val="tx1"/>
+                      </a:solidFill>
+                      <a:prstDash val="solid"/>
+                      <a:round/>
+                      <a:headEnd type="none" w="med" len="med"/>
+                      <a:tailEnd type="none" w="med" len="med"/>
+                    </a:lnR>
+                    <a:lnT w="12700" cap="flat" cmpd="sng" algn="ctr">
+                      <a:solidFill>
+                        <a:schemeClr val="tx1"/>
+                      </a:solidFill>
+                      <a:prstDash val="solid"/>
+                      <a:round/>
+                      <a:headEnd type="none" w="med" len="med"/>
+                      <a:tailEnd type="none" w="med" len="med"/>
+                    </a:lnT>
+                    <a:lnB w="12700" cap="flat" cmpd="sng" algn="ctr">
+                      <a:solidFill>
+                        <a:schemeClr val="tx1"/>
+                      </a:solidFill>
+                      <a:prstDash val="solid"/>
+                      <a:round/>
+                      <a:headEnd type="none" w="med" len="med"/>
+                      <a:tailEnd type="none" w="med" len="med"/>
+                    </a:lnB>
+                    <a:noFill/>
+                  </a:tcPr>
+                </a:tc>
+                <a:extLst>
+                  <a:ext uri="{0D108BD9-81ED-4DB2-BD59-A6C34878D82A}">
+                    <a16:rowId xmlns:a16="http://schemas.microsoft.com/office/drawing/2014/main" val="229623635"/>
+                  </a:ext>
+                </a:extLst>
+              </a:tr>
+              <a:tr h="1100254">
+                <a:tc>
+                  <a:txBody>
+                    <a:bodyPr/>
+                    <a:lstStyle/>
+                    <a:p>
+                      <a:pPr marL="0" marR="0" lvl="0" indent="0" algn="ctr" defTabSz="914400" rtl="0" eaLnBrk="1" fontAlgn="auto" latinLnBrk="0" hangingPunct="1">
+                        <a:lnSpc>
+                          <a:spcPct val="100000"/>
+                        </a:lnSpc>
+                        <a:spcBef>
+                          <a:spcPts val="0"/>
+                        </a:spcBef>
+                        <a:spcAft>
+                          <a:spcPts val="0"/>
+                        </a:spcAft>
+                        <a:buClrTx/>
+                        <a:buSzTx/>
+                        <a:buFontTx/>
+                        <a:buNone/>
+                        <a:tabLst/>
+                        <a:defRPr/>
+                      </a:pPr>
+                      <a:r>
+                        <a:rPr lang="en-US" dirty="0"/>
+                        <a:t>smart-</a:t>
+                      </a:r>
+                      <a:r>
+                        <a:rPr lang="en-US" dirty="0" err="1"/>
+                        <a:t>tenx</a:t>
+                      </a:r>
+                      <a:endParaRPr lang="en-US" dirty="0"/>
+                    </a:p>
+                  </a:txBody>
+                  <a:tcPr anchor="ctr">
+                    <a:lnL w="12700" cap="flat" cmpd="sng" algn="ctr">
+                      <a:solidFill>
+                        <a:schemeClr val="tx1"/>
+                      </a:solidFill>
+                      <a:prstDash val="solid"/>
+                      <a:round/>
+                      <a:headEnd type="none" w="med" len="med"/>
+                      <a:tailEnd type="none" w="med" len="med"/>
+                    </a:lnL>
+                    <a:lnR w="12700" cap="flat" cmpd="sng" algn="ctr">
+                      <a:solidFill>
+                        <a:schemeClr val="tx1"/>
+                      </a:solidFill>
+                      <a:prstDash val="solid"/>
+                      <a:round/>
+                      <a:headEnd type="none" w="med" len="med"/>
+                      <a:tailEnd type="none" w="med" len="med"/>
+                    </a:lnR>
+                    <a:lnT w="12700" cap="flat" cmpd="sng" algn="ctr">
+                      <a:solidFill>
+                        <a:schemeClr val="tx1"/>
+                      </a:solidFill>
+                      <a:prstDash val="solid"/>
+                      <a:round/>
+                      <a:headEnd type="none" w="med" len="med"/>
+                      <a:tailEnd type="none" w="med" len="med"/>
+                    </a:lnT>
+                    <a:lnB w="12700" cap="flat" cmpd="sng" algn="ctr">
+                      <a:solidFill>
+                        <a:schemeClr val="tx1"/>
+                      </a:solidFill>
+                      <a:prstDash val="solid"/>
+                      <a:round/>
+                      <a:headEnd type="none" w="med" len="med"/>
+                      <a:tailEnd type="none" w="med" len="med"/>
+                    </a:lnB>
+                    <a:noFill/>
+                  </a:tcPr>
+                </a:tc>
+                <a:tc>
+                  <a:txBody>
+                    <a:bodyPr/>
+                    <a:lstStyle/>
+                    <a:p>
+                      <a:pPr algn="ctr"/>
+                      <a:r>
+                        <a:rPr lang="en-US" dirty="0"/>
+                        <a:t>Seurat</a:t>
+                      </a:r>
+                    </a:p>
+                    <a:p>
+                      <a:pPr algn="ctr"/>
+                      <a:r>
+                        <a:rPr lang="en-US" dirty="0"/>
+                        <a:t>Monocle</a:t>
+                      </a:r>
+                    </a:p>
+                    <a:p>
+                      <a:pPr algn="ctr"/>
+                      <a:endParaRPr lang="en-US" dirty="0"/>
+                    </a:p>
+                  </a:txBody>
+                  <a:tcPr anchor="ctr">
+                    <a:lnL w="12700" cap="flat" cmpd="sng" algn="ctr">
+                      <a:solidFill>
+                        <a:schemeClr val="tx1"/>
+                      </a:solidFill>
+                      <a:prstDash val="solid"/>
+                      <a:round/>
+                      <a:headEnd type="none" w="med" len="med"/>
+                      <a:tailEnd type="none" w="med" len="med"/>
+                    </a:lnL>
+                    <a:lnR w="12700" cap="flat" cmpd="sng" algn="ctr">
+                      <a:solidFill>
+                        <a:schemeClr val="tx1"/>
+                      </a:solidFill>
+                      <a:prstDash val="solid"/>
+                      <a:round/>
+                      <a:headEnd type="none" w="med" len="med"/>
+                      <a:tailEnd type="none" w="med" len="med"/>
+                    </a:lnR>
+                    <a:lnT w="12700" cap="flat" cmpd="sng" algn="ctr">
+                      <a:solidFill>
+                        <a:schemeClr val="tx1"/>
+                      </a:solidFill>
+                      <a:prstDash val="solid"/>
+                      <a:round/>
+                      <a:headEnd type="none" w="med" len="med"/>
+                      <a:tailEnd type="none" w="med" len="med"/>
+                    </a:lnT>
+                    <a:lnB w="12700" cap="flat" cmpd="sng" algn="ctr">
+                      <a:solidFill>
+                        <a:schemeClr val="tx1"/>
+                      </a:solidFill>
+                      <a:prstDash val="solid"/>
+                      <a:round/>
+                      <a:headEnd type="none" w="med" len="med"/>
+                      <a:tailEnd type="none" w="med" len="med"/>
+                    </a:lnB>
+                    <a:noFill/>
+                  </a:tcPr>
+                </a:tc>
+                <a:tc>
+                  <a:txBody>
+                    <a:bodyPr/>
+                    <a:lstStyle/>
+                    <a:p>
+                      <a:pPr algn="ctr"/>
+                      <a:r>
+                        <a:rPr lang="en-US"/>
+                        <a:t>/</a:t>
+                      </a:r>
+                      <a:endParaRPr lang="en-US" dirty="0"/>
+                    </a:p>
+                  </a:txBody>
+                  <a:tcPr anchor="ctr">
+                    <a:lnL w="12700" cap="flat" cmpd="sng" algn="ctr">
+                      <a:solidFill>
+                        <a:schemeClr val="tx1"/>
+                      </a:solidFill>
+                      <a:prstDash val="solid"/>
+                      <a:round/>
+                      <a:headEnd type="none" w="med" len="med"/>
+                      <a:tailEnd type="none" w="med" len="med"/>
+                    </a:lnL>
+                    <a:lnR w="12700" cap="flat" cmpd="sng" algn="ctr">
+                      <a:solidFill>
+                        <a:schemeClr val="tx1"/>
+                      </a:solidFill>
+                      <a:prstDash val="solid"/>
+                      <a:round/>
+                      <a:headEnd type="none" w="med" len="med"/>
+                      <a:tailEnd type="none" w="med" len="med"/>
+                    </a:lnR>
+                    <a:lnT w="12700" cap="flat" cmpd="sng" algn="ctr">
+                      <a:solidFill>
+                        <a:schemeClr val="tx1"/>
+                      </a:solidFill>
+                      <a:prstDash val="solid"/>
+                      <a:round/>
+                      <a:headEnd type="none" w="med" len="med"/>
+                      <a:tailEnd type="none" w="med" len="med"/>
+                    </a:lnT>
+                    <a:lnB w="12700" cap="flat" cmpd="sng" algn="ctr">
+                      <a:solidFill>
+                        <a:schemeClr val="tx1"/>
+                      </a:solidFill>
+                      <a:prstDash val="solid"/>
+                      <a:round/>
+                      <a:headEnd type="none" w="med" len="med"/>
+                      <a:tailEnd type="none" w="med" len="med"/>
+                    </a:lnB>
+                    <a:noFill/>
+                  </a:tcPr>
+                </a:tc>
+                <a:tc>
+                  <a:txBody>
+                    <a:bodyPr/>
+                    <a:lstStyle/>
+                    <a:p>
+                      <a:pPr marL="0" marR="0" lvl="0" indent="0" algn="ctr" defTabSz="914400" rtl="0" eaLnBrk="1" fontAlgn="auto" latinLnBrk="0" hangingPunct="1">
+                        <a:lnSpc>
+                          <a:spcPct val="100000"/>
+                        </a:lnSpc>
+                        <a:spcBef>
+                          <a:spcPts val="0"/>
+                        </a:spcBef>
+                        <a:spcAft>
+                          <a:spcPts val="0"/>
+                        </a:spcAft>
+                        <a:buClrTx/>
+                        <a:buSzTx/>
+                        <a:buFontTx/>
+                        <a:buNone/>
+                        <a:tabLst/>
+                        <a:defRPr/>
+                      </a:pPr>
+                      <a:r>
+                        <a:rPr lang="en-US" dirty="0"/>
+                        <a:t>.csv</a:t>
+                      </a:r>
+                    </a:p>
+                    <a:p>
+                      <a:pPr algn="ctr"/>
+                      <a:endParaRPr lang="en-US" dirty="0"/>
+                    </a:p>
+                  </a:txBody>
+                  <a:tcPr anchor="ctr">
+                    <a:lnL w="12700" cap="flat" cmpd="sng" algn="ctr">
+                      <a:solidFill>
+                        <a:schemeClr val="tx1"/>
+                      </a:solidFill>
+                      <a:prstDash val="solid"/>
+                      <a:round/>
+                      <a:headEnd type="none" w="med" len="med"/>
+                      <a:tailEnd type="none" w="med" len="med"/>
+                    </a:lnL>
+                    <a:lnR w="12700" cap="flat" cmpd="sng" algn="ctr">
+                      <a:solidFill>
+                        <a:schemeClr val="tx1"/>
+                      </a:solidFill>
+                      <a:prstDash val="solid"/>
+                      <a:round/>
+                      <a:headEnd type="none" w="med" len="med"/>
+                      <a:tailEnd type="none" w="med" len="med"/>
+                    </a:lnR>
+                    <a:lnT w="12700" cap="flat" cmpd="sng" algn="ctr">
+                      <a:solidFill>
+                        <a:schemeClr val="tx1"/>
+                      </a:solidFill>
+                      <a:prstDash val="solid"/>
+                      <a:round/>
+                      <a:headEnd type="none" w="med" len="med"/>
+                      <a:tailEnd type="none" w="med" len="med"/>
+                    </a:lnT>
+                    <a:lnB w="12700" cap="flat" cmpd="sng" algn="ctr">
+                      <a:solidFill>
+                        <a:schemeClr val="tx1"/>
+                      </a:solidFill>
+                      <a:prstDash val="solid"/>
+                      <a:round/>
+                      <a:headEnd type="none" w="med" len="med"/>
+                      <a:tailEnd type="none" w="med" len="med"/>
+                    </a:lnB>
+                    <a:noFill/>
+                  </a:tcPr>
+                </a:tc>
+                <a:extLst>
+                  <a:ext uri="{0D108BD9-81ED-4DB2-BD59-A6C34878D82A}">
+                    <a16:rowId xmlns:a16="http://schemas.microsoft.com/office/drawing/2014/main" val="752964432"/>
+                  </a:ext>
+                </a:extLst>
+              </a:tr>
+            </a:tbl>
+          </a:graphicData>
+        </a:graphic>
+      </p:graphicFrame>
+    </p:spTree>
+    <p:extLst>
+      <p:ext uri="{BB962C8B-B14F-4D97-AF65-F5344CB8AC3E}">
+        <p14:creationId xmlns:p14="http://schemas.microsoft.com/office/powerpoint/2010/main" val="4270287913"/>
+      </p:ext>
+    </p:extLst>
+  </p:cSld>
+  <p:clrMapOvr>
+    <a:masterClrMapping/>
+  </p:clrMapOvr>
+</p:sld>
+</file>
+
 <file path=ppt/theme/theme1.xml><?xml version="1.0" encoding="utf-8"?>
 <a:theme xmlns:a="http://schemas.openxmlformats.org/drawingml/2006/main" name="Office Theme">
   <a:themeElements>

--- a/Figures/workflow/workflow.pptx
+++ b/Figures/workflow/workflow.pptx
@@ -8127,10 +8127,9 @@
                     <a:p>
                       <a:pPr algn="ctr"/>
                       <a:r>
-                        <a:rPr lang="en-US"/>
+                        <a:rPr lang="en-US" dirty="0"/>
                         <a:t>/</a:t>
                       </a:r>
-                      <a:endParaRPr lang="en-US" dirty="0"/>
                     </a:p>
                   </a:txBody>
                   <a:tcPr anchor="ctr">

--- a/Figures/workflow/workflow.pptx
+++ b/Figures/workflow/workflow.pptx
@@ -6743,7 +6743,7 @@
           <p:nvPr>
             <p:extLst>
               <p:ext uri="{D42A27DB-BD31-4B8C-83A1-F6EECF244321}">
-                <p14:modId xmlns:p14="http://schemas.microsoft.com/office/powerpoint/2010/main" val="3127347183"/>
+                <p14:modId xmlns:p14="http://schemas.microsoft.com/office/powerpoint/2010/main" val="2829925240"/>
               </p:ext>
             </p:extLst>
           </p:nvPr>
@@ -7326,9 +7326,10 @@
                     <a:p>
                       <a:pPr algn="ctr"/>
                       <a:r>
-                        <a:rPr lang="en-US" dirty="0"/>
-                        <a:t>_Seurat</a:t>
-                      </a:r>
+                        <a:rPr lang="en-US"/>
+                        <a:t>Seurat</a:t>
+                      </a:r>
+                      <a:endParaRPr lang="en-US" dirty="0"/>
                     </a:p>
                     <a:p>
                       <a:pPr algn="ctr"/>
